--- a/covid_fake_news_presentation.pptx
+++ b/covid_fake_news_presentation.pptx
@@ -5,7 +5,7 @@
     <p:sldMasterId id="2147483648" r:id="rId1"/>
   </p:sldMasterIdLst>
   <p:notesMasterIdLst>
-    <p:notesMasterId r:id="rId9"/>
+    <p:notesMasterId r:id="rId10"/>
   </p:notesMasterIdLst>
   <p:sldIdLst>
     <p:sldId id="265" r:id="rId2"/>
@@ -15,6 +15,7 @@
     <p:sldId id="268" r:id="rId6"/>
     <p:sldId id="267" r:id="rId7"/>
     <p:sldId id="260" r:id="rId8"/>
+    <p:sldId id="270" r:id="rId9"/>
   </p:sldIdLst>
   <p:sldSz cx="12192000" cy="6858000"/>
   <p:notesSz cx="6858000" cy="9144000"/>
@@ -514,93 +515,10 @@
           <a:bodyPr/>
           <a:lstStyle/>
           <a:p>
-            <a:pPr marL="0" marR="0" lvl="0" indent="0" algn="l" defTabSz="914400" rtl="0" eaLnBrk="1" fontAlgn="auto" latinLnBrk="0" hangingPunct="1">
-              <a:lnSpc>
-                <a:spcPct val="100000"/>
-              </a:lnSpc>
-              <a:spcBef>
-                <a:spcPts val="0"/>
-              </a:spcBef>
-              <a:spcAft>
-                <a:spcPts val="0"/>
-              </a:spcAft>
-              <a:buClrTx/>
-              <a:buSzTx/>
-              <a:buFontTx/>
-              <a:buNone/>
-              <a:tabLst/>
-              <a:defRPr/>
-            </a:pPr>
-            <a:endParaRPr lang="en-US" dirty="0"/>
-          </a:p>
-          <a:p>
-            <a:pPr marL="0" marR="0" lvl="0" indent="0" algn="l" defTabSz="914400" rtl="0" eaLnBrk="1" fontAlgn="auto" latinLnBrk="0" hangingPunct="1">
-              <a:lnSpc>
-                <a:spcPct val="100000"/>
-              </a:lnSpc>
-              <a:spcBef>
-                <a:spcPts val="0"/>
-              </a:spcBef>
-              <a:spcAft>
-                <a:spcPts val="0"/>
-              </a:spcAft>
-              <a:buClrTx/>
-              <a:buSzTx/>
-              <a:buFontTx/>
-              <a:buNone/>
-              <a:tabLst/>
-              <a:defRPr/>
-            </a:pPr>
             <a:r>
               <a:rPr lang="en-US" dirty="0"/>
-              <a:t>1) News API is a very straightforward tool. You can specify which news sources you want to draw from and specify the headlines or new topics. </a:t>
-            </a:r>
-          </a:p>
-          <a:p>
-            <a:pPr marL="0" marR="0" lvl="0" indent="0" algn="l" defTabSz="914400" rtl="0" eaLnBrk="1" fontAlgn="auto" latinLnBrk="0" hangingPunct="1">
-              <a:lnSpc>
-                <a:spcPct val="100000"/>
-              </a:lnSpc>
-              <a:spcBef>
-                <a:spcPts val="0"/>
-              </a:spcBef>
-              <a:spcAft>
-                <a:spcPts val="0"/>
-              </a:spcAft>
-              <a:buClrTx/>
-              <a:buSzTx/>
-              <a:buFontTx/>
-              <a:buNone/>
-              <a:tabLst/>
-              <a:defRPr/>
-            </a:pPr>
-            <a:endParaRPr lang="en-US" dirty="0"/>
-          </a:p>
-          <a:p>
-            <a:pPr marL="0" marR="0" lvl="0" indent="0" algn="l" defTabSz="914400" rtl="0" eaLnBrk="1" fontAlgn="auto" latinLnBrk="0" hangingPunct="1">
-              <a:lnSpc>
-                <a:spcPct val="100000"/>
-              </a:lnSpc>
-              <a:spcBef>
-                <a:spcPts val="0"/>
-              </a:spcBef>
-              <a:spcAft>
-                <a:spcPts val="0"/>
-              </a:spcAft>
-              <a:buClrTx/>
-              <a:buSzTx/>
-              <a:buFontTx/>
-              <a:buNone/>
-              <a:tabLst/>
-              <a:defRPr/>
-            </a:pPr>
-            <a:r>
-              <a:rPr lang="en-US" dirty="0"/>
-              <a:t>2) The International Fact-Checking Network at the Poynter Institute united over 100-fact checkers around the world to create a database which coalesced country by country fake news stories about COVID-19.</a:t>
-            </a:r>
-          </a:p>
-          <a:p>
-            <a:endParaRPr lang="en-US" dirty="0"/>
+              <a:t>Alright, good morning everyone, my name is Daniel DiNicola, and I am so excited to be here with all of you today. About a month ago I wanted to use data science to take a different angle on this pandemic, and my project is called what can Natural Language Processing teach us about fake COVID-19 news. So let’s get right into it.</a:t>
+            </a:r>
           </a:p>
         </p:txBody>
       </p:sp>
@@ -621,7 +539,7 @@
           <a:p>
             <a:fld id="{D2D7D451-6B4E-DA4B-AF45-451985631ADB}" type="slidenum">
               <a:rPr lang="en-US" smtClean="0"/>
-              <a:t>3</a:t>
+              <a:t>1</a:t>
             </a:fld>
             <a:endParaRPr lang="en-US"/>
           </a:p>
@@ -630,7 +548,7 @@
     </p:spTree>
     <p:extLst>
       <p:ext uri="{BB962C8B-B14F-4D97-AF65-F5344CB8AC3E}">
-        <p14:creationId xmlns:p14="http://schemas.microsoft.com/office/powerpoint/2010/main" val="3802569834"/>
+        <p14:creationId xmlns:p14="http://schemas.microsoft.com/office/powerpoint/2010/main" val="3674578275"/>
       </p:ext>
     </p:extLst>
   </p:cSld>
@@ -686,7 +604,33 @@
           <a:p>
             <a:r>
               <a:rPr lang="en-US" dirty="0"/>
-              <a:t>Is it really a natural language processing data science project without a word cloud? Of course not! So, not much here to really share. Obviously, many of the words in this corpus you could imagine, coronavirus, hospital, virus, trump, government and other conspicuous terms.</a:t>
+              <a:t>First about me a little bit – I am a journalist by trade and as a student was the recipient of the Dow Jones Data Journalism Scholarship. This experience prompted my interest in big data. </a:t>
+            </a:r>
+          </a:p>
+          <a:p>
+            <a:endParaRPr lang="en-US" dirty="0"/>
+          </a:p>
+          <a:p>
+            <a:r>
+              <a:rPr lang="en-US" dirty="0"/>
+              <a:t>The problem I present to you all today is a classification problem where I took a data set consisting of fake and real news about COVID-19 and built out models to classify the two. The goal of this project is to minimize false positive and maximize accuracy. </a:t>
+            </a:r>
+          </a:p>
+          <a:p>
+            <a:endParaRPr lang="en-US" dirty="0"/>
+          </a:p>
+          <a:p>
+            <a:r>
+              <a:rPr lang="en-US" dirty="0"/>
+              <a:t>The last part of this project will take a look at </a:t>
+            </a:r>
+            <a:r>
+              <a:rPr lang="en-US" dirty="0" err="1"/>
+              <a:t>shapley</a:t>
+            </a:r>
+            <a:r>
+              <a:rPr lang="en-US" dirty="0"/>
+              <a:t> values to uncover feature importance for our model.</a:t>
             </a:r>
           </a:p>
         </p:txBody>
@@ -708,7 +652,7 @@
           <a:p>
             <a:fld id="{D2D7D451-6B4E-DA4B-AF45-451985631ADB}" type="slidenum">
               <a:rPr lang="en-US" smtClean="0"/>
-              <a:t>4</a:t>
+              <a:t>2</a:t>
             </a:fld>
             <a:endParaRPr lang="en-US"/>
           </a:p>
@@ -717,7 +661,7 @@
     </p:spTree>
     <p:extLst>
       <p:ext uri="{BB962C8B-B14F-4D97-AF65-F5344CB8AC3E}">
-        <p14:creationId xmlns:p14="http://schemas.microsoft.com/office/powerpoint/2010/main" val="2955410301"/>
+        <p14:creationId xmlns:p14="http://schemas.microsoft.com/office/powerpoint/2010/main" val="2692972849"/>
       </p:ext>
     </p:extLst>
   </p:cSld>
@@ -771,18 +715,69 @@
           <a:bodyPr/>
           <a:lstStyle/>
           <a:p>
+            <a:pPr marL="0" marR="0" lvl="0" indent="0" algn="l" defTabSz="914400" rtl="0" eaLnBrk="1" fontAlgn="auto" latinLnBrk="0" hangingPunct="1">
+              <a:lnSpc>
+                <a:spcPct val="100000"/>
+              </a:lnSpc>
+              <a:spcBef>
+                <a:spcPts val="0"/>
+              </a:spcBef>
+              <a:spcAft>
+                <a:spcPts val="0"/>
+              </a:spcAft>
+              <a:buClrTx/>
+              <a:buSzTx/>
+              <a:buFontTx/>
+              <a:buNone/>
+              <a:tabLst/>
+              <a:defRPr/>
+            </a:pPr>
             <a:r>
               <a:rPr lang="en-US" dirty="0"/>
-              <a:t>We really get some amorphous results from the four different types of models I created for this project. I think the first thing which must be noted is that all of these models are overfit to training data by varying degrees. The second thing to note is I set out on this project trying to create a model which would minimize false positive, and maximize our accuracy score unfortunately, and expectedly that happened in two different models. The first being Logistic Regression which had an AUC score of 85.60%</a:t>
-            </a:r>
-          </a:p>
-          <a:p>
+              <a:t>Let’s now discuss where and how I got this data. I used the News API tool, where you can specify which news agencies you want to draw from and particular topics news agencies discuss. In this case I kept my search to the terms “COVID-19” and “Coronavirus.” The agencies were all run of the mill main-stream sources. </a:t>
+            </a:r>
+          </a:p>
+          <a:p>
+            <a:pPr marL="0" marR="0" lvl="0" indent="0" algn="l" defTabSz="914400" rtl="0" eaLnBrk="1" fontAlgn="auto" latinLnBrk="0" hangingPunct="1">
+              <a:lnSpc>
+                <a:spcPct val="100000"/>
+              </a:lnSpc>
+              <a:spcBef>
+                <a:spcPts val="0"/>
+              </a:spcBef>
+              <a:spcAft>
+                <a:spcPts val="0"/>
+              </a:spcAft>
+              <a:buClrTx/>
+              <a:buSzTx/>
+              <a:buFontTx/>
+              <a:buNone/>
+              <a:tabLst/>
+              <a:defRPr/>
+            </a:pPr>
             <a:endParaRPr lang="en-US" dirty="0"/>
           </a:p>
           <a:p>
+            <a:pPr marL="0" marR="0" lvl="0" indent="0" algn="l" defTabSz="914400" rtl="0" eaLnBrk="1" fontAlgn="auto" latinLnBrk="0" hangingPunct="1">
+              <a:lnSpc>
+                <a:spcPct val="100000"/>
+              </a:lnSpc>
+              <a:spcBef>
+                <a:spcPts val="0"/>
+              </a:spcBef>
+              <a:spcAft>
+                <a:spcPts val="0"/>
+              </a:spcAft>
+              <a:buClrTx/>
+              <a:buSzTx/>
+              <a:buFontTx/>
+              <a:buNone/>
+              <a:tabLst/>
+              <a:defRPr/>
+            </a:pPr>
             <a:r>
               <a:rPr lang="en-US" dirty="0"/>
-              <a:t>A quick note an AUC score since one should explain these things before just throwing them out there. AUC stands for area under the curve – it tells you how well the model is at distinguishing in between the classes. Higher the AUC, the better the model is at distinguishing between classes and in the models I ran we can see that the Logistic Regression model was best served in doing so. </a:t>
+              <a:t>The pointer institute coalesced over 100-fact checkers around the world to create a database of fake news stories on COVID-19. With the help of my computer scientist friends we scraped this website and gathered just under 1,000 headlines of fake news stories.</a:t>
             </a:r>
           </a:p>
         </p:txBody>
@@ -804,7 +799,7 @@
           <a:p>
             <a:fld id="{D2D7D451-6B4E-DA4B-AF45-451985631ADB}" type="slidenum">
               <a:rPr lang="en-US" smtClean="0"/>
-              <a:t>5</a:t>
+              <a:t>3</a:t>
             </a:fld>
             <a:endParaRPr lang="en-US"/>
           </a:p>
@@ -813,7 +808,7 @@
     </p:spTree>
     <p:extLst>
       <p:ext uri="{BB962C8B-B14F-4D97-AF65-F5344CB8AC3E}">
-        <p14:creationId xmlns:p14="http://schemas.microsoft.com/office/powerpoint/2010/main" val="2012769964"/>
+        <p14:creationId xmlns:p14="http://schemas.microsoft.com/office/powerpoint/2010/main" val="3802569834"/>
       </p:ext>
     </p:extLst>
   </p:cSld>
@@ -869,6 +864,259 @@
           <a:p>
             <a:r>
               <a:rPr lang="en-US" dirty="0"/>
+              <a:t>Before we jump into modeling, one has to ask is it really a natural language processing project without a word cloud? Of course not! </a:t>
+            </a:r>
+          </a:p>
+          <a:p>
+            <a:endParaRPr lang="en-US" dirty="0"/>
+          </a:p>
+          <a:p>
+            <a:r>
+              <a:rPr lang="en-US" dirty="0"/>
+              <a:t>So, we see here that many of the words in this corpus you could have guessed before hand , coronavirus, hospital, virus, trump, government and other conspicuous terms.</a:t>
+            </a:r>
+          </a:p>
+        </p:txBody>
+      </p:sp>
+      <p:sp>
+        <p:nvSpPr>
+          <p:cNvPr id="4" name="Slide Number Placeholder 3"/>
+          <p:cNvSpPr>
+            <a:spLocks noGrp="1"/>
+          </p:cNvSpPr>
+          <p:nvPr>
+            <p:ph type="sldNum" sz="quarter" idx="5"/>
+          </p:nvPr>
+        </p:nvSpPr>
+        <p:spPr/>
+        <p:txBody>
+          <a:bodyPr/>
+          <a:lstStyle/>
+          <a:p>
+            <a:fld id="{D2D7D451-6B4E-DA4B-AF45-451985631ADB}" type="slidenum">
+              <a:rPr lang="en-US" smtClean="0"/>
+              <a:t>4</a:t>
+            </a:fld>
+            <a:endParaRPr lang="en-US"/>
+          </a:p>
+        </p:txBody>
+      </p:sp>
+    </p:spTree>
+    <p:extLst>
+      <p:ext uri="{BB962C8B-B14F-4D97-AF65-F5344CB8AC3E}">
+        <p14:creationId xmlns:p14="http://schemas.microsoft.com/office/powerpoint/2010/main" val="2955410301"/>
+      </p:ext>
+    </p:extLst>
+  </p:cSld>
+  <p:clrMapOvr>
+    <a:masterClrMapping/>
+  </p:clrMapOvr>
+</p:notes>
+</file>
+
+<file path=ppt/notesSlides/notesSlide5.xml><?xml version="1.0" encoding="utf-8"?>
+<p:notes xmlns:a="http://schemas.openxmlformats.org/drawingml/2006/main" xmlns:r="http://schemas.openxmlformats.org/officeDocument/2006/relationships" xmlns:p="http://schemas.openxmlformats.org/presentationml/2006/main">
+  <p:cSld>
+    <p:spTree>
+      <p:nvGrpSpPr>
+        <p:cNvPr id="1" name=""/>
+        <p:cNvGrpSpPr/>
+        <p:nvPr/>
+      </p:nvGrpSpPr>
+      <p:grpSpPr>
+        <a:xfrm>
+          <a:off x="0" y="0"/>
+          <a:ext cx="0" cy="0"/>
+          <a:chOff x="0" y="0"/>
+          <a:chExt cx="0" cy="0"/>
+        </a:xfrm>
+      </p:grpSpPr>
+      <p:sp>
+        <p:nvSpPr>
+          <p:cNvPr id="2" name="Slide Image Placeholder 1"/>
+          <p:cNvSpPr>
+            <a:spLocks noGrp="1" noRot="1" noChangeAspect="1"/>
+          </p:cNvSpPr>
+          <p:nvPr>
+            <p:ph type="sldImg"/>
+          </p:nvPr>
+        </p:nvSpPr>
+        <p:spPr/>
+      </p:sp>
+      <p:sp>
+        <p:nvSpPr>
+          <p:cNvPr id="3" name="Notes Placeholder 2"/>
+          <p:cNvSpPr>
+            <a:spLocks noGrp="1"/>
+          </p:cNvSpPr>
+          <p:nvPr>
+            <p:ph type="body" idx="1"/>
+          </p:nvPr>
+        </p:nvSpPr>
+        <p:spPr/>
+        <p:txBody>
+          <a:bodyPr/>
+          <a:lstStyle/>
+          <a:p>
+            <a:r>
+              <a:rPr lang="en-US" dirty="0"/>
+              <a:t>So now let’s talk about the modeling results. I created multiple grids, and multiple pipes all using the same set of parameters with one difference being the use of </a:t>
+            </a:r>
+            <a:r>
+              <a:rPr lang="en-US" dirty="0" err="1"/>
+              <a:t>CountVectorizer</a:t>
+            </a:r>
+            <a:r>
+              <a:rPr lang="en-US" dirty="0"/>
+              <a:t> and TFIDF vectorizer as a way to evaluate the corpus. </a:t>
+            </a:r>
+          </a:p>
+          <a:p>
+            <a:endParaRPr lang="en-US" dirty="0"/>
+          </a:p>
+          <a:p>
+            <a:r>
+              <a:rPr lang="en-US" dirty="0"/>
+              <a:t>The first thing which I’ll note is that these models are overfit to training data by varying degrees, with the exception of the </a:t>
+            </a:r>
+            <a:r>
+              <a:rPr lang="en-US" dirty="0" err="1"/>
+              <a:t>XGBoost</a:t>
+            </a:r>
+            <a:r>
+              <a:rPr lang="en-US" dirty="0"/>
+              <a:t> model which I highlighted. Remember the goal of this project was to build a model with the highest accuracy score and minimizes false positives. Expectedly that occurred in two separate models, The Random Forrest model had the highest accuracy, and the </a:t>
+            </a:r>
+            <a:r>
+              <a:rPr lang="en-US" dirty="0" err="1"/>
+              <a:t>XGBoost</a:t>
+            </a:r>
+            <a:r>
+              <a:rPr lang="en-US" dirty="0"/>
+              <a:t> model minimized false positives. Furthering my belief that the </a:t>
+            </a:r>
+            <a:r>
+              <a:rPr lang="en-US" dirty="0" err="1"/>
+              <a:t>XGBoost</a:t>
+            </a:r>
+            <a:r>
+              <a:rPr lang="en-US" dirty="0"/>
+              <a:t> model best satisfied my goals for this problem is the high precision score seen at the second to last row. </a:t>
+            </a:r>
+          </a:p>
+          <a:p>
+            <a:endParaRPr lang="en-US" dirty="0"/>
+          </a:p>
+          <a:p>
+            <a:r>
+              <a:rPr lang="en-US" dirty="0"/>
+              <a:t>One more metric to highlight which is AUC which distinguishes separability amongst the classes, a score of 1, or 100% denotes a high level of separability. If you have a score of .5 or 50% the model has no degree of separability. So you will note that all of our models are again in a range of low 80 percentage points to mid 80 percentage points with the logistic regression model performing the best. </a:t>
+            </a:r>
+          </a:p>
+          <a:p>
+            <a:endParaRPr lang="en-US" dirty="0"/>
+          </a:p>
+          <a:p>
+            <a:r>
+              <a:rPr lang="en-US" dirty="0"/>
+              <a:t>All and all I came to the semi-conclusion that with the highest precision score, lowest amount of false positives and accuracy scores which were the second of four that the </a:t>
+            </a:r>
+            <a:r>
+              <a:rPr lang="en-US" dirty="0" err="1"/>
+              <a:t>XGBoost</a:t>
+            </a:r>
+            <a:r>
+              <a:rPr lang="en-US" dirty="0"/>
+              <a:t> model was the one to examine further. </a:t>
+            </a:r>
+          </a:p>
+          <a:p>
+            <a:endParaRPr lang="en-US" dirty="0"/>
+          </a:p>
+        </p:txBody>
+      </p:sp>
+      <p:sp>
+        <p:nvSpPr>
+          <p:cNvPr id="4" name="Slide Number Placeholder 3"/>
+          <p:cNvSpPr>
+            <a:spLocks noGrp="1"/>
+          </p:cNvSpPr>
+          <p:nvPr>
+            <p:ph type="sldNum" sz="quarter" idx="5"/>
+          </p:nvPr>
+        </p:nvSpPr>
+        <p:spPr/>
+        <p:txBody>
+          <a:bodyPr/>
+          <a:lstStyle/>
+          <a:p>
+            <a:fld id="{D2D7D451-6B4E-DA4B-AF45-451985631ADB}" type="slidenum">
+              <a:rPr lang="en-US" smtClean="0"/>
+              <a:t>5</a:t>
+            </a:fld>
+            <a:endParaRPr lang="en-US"/>
+          </a:p>
+        </p:txBody>
+      </p:sp>
+    </p:spTree>
+    <p:extLst>
+      <p:ext uri="{BB962C8B-B14F-4D97-AF65-F5344CB8AC3E}">
+        <p14:creationId xmlns:p14="http://schemas.microsoft.com/office/powerpoint/2010/main" val="2012769964"/>
+      </p:ext>
+    </p:extLst>
+  </p:cSld>
+  <p:clrMapOvr>
+    <a:masterClrMapping/>
+  </p:clrMapOvr>
+</p:notes>
+</file>
+
+<file path=ppt/notesSlides/notesSlide6.xml><?xml version="1.0" encoding="utf-8"?>
+<p:notes xmlns:a="http://schemas.openxmlformats.org/drawingml/2006/main" xmlns:r="http://schemas.openxmlformats.org/officeDocument/2006/relationships" xmlns:p="http://schemas.openxmlformats.org/presentationml/2006/main">
+  <p:cSld>
+    <p:spTree>
+      <p:nvGrpSpPr>
+        <p:cNvPr id="1" name=""/>
+        <p:cNvGrpSpPr/>
+        <p:nvPr/>
+      </p:nvGrpSpPr>
+      <p:grpSpPr>
+        <a:xfrm>
+          <a:off x="0" y="0"/>
+          <a:ext cx="0" cy="0"/>
+          <a:chOff x="0" y="0"/>
+          <a:chExt cx="0" cy="0"/>
+        </a:xfrm>
+      </p:grpSpPr>
+      <p:sp>
+        <p:nvSpPr>
+          <p:cNvPr id="2" name="Slide Image Placeholder 1"/>
+          <p:cNvSpPr>
+            <a:spLocks noGrp="1" noRot="1" noChangeAspect="1"/>
+          </p:cNvSpPr>
+          <p:nvPr>
+            <p:ph type="sldImg"/>
+          </p:nvPr>
+        </p:nvSpPr>
+        <p:spPr/>
+      </p:sp>
+      <p:sp>
+        <p:nvSpPr>
+          <p:cNvPr id="3" name="Notes Placeholder 2"/>
+          <p:cNvSpPr>
+            <a:spLocks noGrp="1"/>
+          </p:cNvSpPr>
+          <p:nvPr>
+            <p:ph type="body" idx="1"/>
+          </p:nvPr>
+        </p:nvSpPr>
+        <p:spPr/>
+        <p:txBody>
+          <a:bodyPr/>
+          <a:lstStyle/>
+          <a:p>
+            <a:r>
+              <a:rPr lang="en-US" dirty="0"/>
               <a:t>The second part of this project was to build out SHAP, or </a:t>
             </a:r>
             <a:r>
@@ -886,7 +1134,59 @@
           <a:p>
             <a:r>
               <a:rPr lang="en-US" dirty="0"/>
-              <a:t>This is our variable importance plot and let’s talk about it for a moment. What are you looking at here? </a:t>
+              <a:t>For the reasons mentioned in the previous slide I chose the </a:t>
+            </a:r>
+            <a:r>
+              <a:rPr lang="en-US" dirty="0" err="1"/>
+              <a:t>XGBoost</a:t>
+            </a:r>
+            <a:r>
+              <a:rPr lang="en-US" dirty="0"/>
+              <a:t> model to visualize. This is our variable importance plot and let’s talk about it for a moment. What are you looking at here? </a:t>
+            </a:r>
+          </a:p>
+          <a:p>
+            <a:endParaRPr lang="en-US" dirty="0"/>
+          </a:p>
+          <a:p>
+            <a:r>
+              <a:rPr lang="en-US" dirty="0"/>
+              <a:t>What we see our the features, or words which have the highest average impact on the model’s output magnitude. The first word “financial” has extremely high correlation with the desired output of a real news classification.</a:t>
+            </a:r>
+          </a:p>
+          <a:p>
+            <a:endParaRPr lang="en-US" dirty="0"/>
+          </a:p>
+          <a:p>
+            <a:pPr marL="0" marR="0" lvl="0" indent="0" algn="l" defTabSz="914400" rtl="0" eaLnBrk="1" fontAlgn="auto" latinLnBrk="0" hangingPunct="1">
+              <a:lnSpc>
+                <a:spcPct val="100000"/>
+              </a:lnSpc>
+              <a:spcBef>
+                <a:spcPts val="0"/>
+              </a:spcBef>
+              <a:spcAft>
+                <a:spcPts val="0"/>
+              </a:spcAft>
+              <a:buClrTx/>
+              <a:buSzTx/>
+              <a:buFontTx/>
+              <a:buNone/>
+              <a:tabLst/>
+              <a:defRPr/>
+            </a:pPr>
+            <a:r>
+              <a:rPr lang="en-US" dirty="0"/>
+              <a:t>What does that mean in English? Articles with the word ”financial “greatly impact the decision making of the model to classify that story as real. Furthermore words like update and stimulus also rank high up on the list as affecting the model’s decision making. Back to English what can we learn from this and how do we use this to inform the public. Basically, that if a news story contains words that are giving you an “update” or “financial” then you are more than likely reading a story whose information you can trust. </a:t>
+            </a:r>
+          </a:p>
+          <a:p>
+            <a:endParaRPr lang="en-US" dirty="0"/>
+          </a:p>
+          <a:p>
+            <a:r>
+              <a:rPr lang="en-US" dirty="0"/>
+              <a:t>This is not to say these words are CAUSING the model to classify a story as real or false, but that is a more technical conversation I will leave to after. </a:t>
             </a:r>
           </a:p>
         </p:txBody>
@@ -918,6 +1218,198 @@
     <p:extLst>
       <p:ext uri="{BB962C8B-B14F-4D97-AF65-F5344CB8AC3E}">
         <p14:creationId xmlns:p14="http://schemas.microsoft.com/office/powerpoint/2010/main" val="3599963037"/>
+      </p:ext>
+    </p:extLst>
+  </p:cSld>
+  <p:clrMapOvr>
+    <a:masterClrMapping/>
+  </p:clrMapOvr>
+</p:notes>
+</file>
+
+<file path=ppt/notesSlides/notesSlide7.xml><?xml version="1.0" encoding="utf-8"?>
+<p:notes xmlns:a="http://schemas.openxmlformats.org/drawingml/2006/main" xmlns:r="http://schemas.openxmlformats.org/officeDocument/2006/relationships" xmlns:p="http://schemas.openxmlformats.org/presentationml/2006/main">
+  <p:cSld>
+    <p:spTree>
+      <p:nvGrpSpPr>
+        <p:cNvPr id="1" name=""/>
+        <p:cNvGrpSpPr/>
+        <p:nvPr/>
+      </p:nvGrpSpPr>
+      <p:grpSpPr>
+        <a:xfrm>
+          <a:off x="0" y="0"/>
+          <a:ext cx="0" cy="0"/>
+          <a:chOff x="0" y="0"/>
+          <a:chExt cx="0" cy="0"/>
+        </a:xfrm>
+      </p:grpSpPr>
+      <p:sp>
+        <p:nvSpPr>
+          <p:cNvPr id="2" name="Slide Image Placeholder 1"/>
+          <p:cNvSpPr>
+            <a:spLocks noGrp="1" noRot="1" noChangeAspect="1"/>
+          </p:cNvSpPr>
+          <p:nvPr>
+            <p:ph type="sldImg"/>
+          </p:nvPr>
+        </p:nvSpPr>
+        <p:spPr/>
+      </p:sp>
+      <p:sp>
+        <p:nvSpPr>
+          <p:cNvPr id="3" name="Notes Placeholder 2"/>
+          <p:cNvSpPr>
+            <a:spLocks noGrp="1"/>
+          </p:cNvSpPr>
+          <p:nvPr>
+            <p:ph type="body" idx="1"/>
+          </p:nvPr>
+        </p:nvSpPr>
+        <p:spPr/>
+        <p:txBody>
+          <a:bodyPr/>
+          <a:lstStyle/>
+          <a:p>
+            <a:r>
+              <a:rPr lang="en-US" dirty="0"/>
+              <a:t>First limitation is this project doesn’t take in any notion of political bias between news organizations or the fact checkers themselves. </a:t>
+            </a:r>
+          </a:p>
+          <a:p>
+            <a:endParaRPr lang="en-US" dirty="0"/>
+          </a:p>
+          <a:p>
+            <a:r>
+              <a:rPr lang="en-US" dirty="0"/>
+              <a:t>Most critically the textual data we are working with here just comes from headlines and extended headlines. This shows in the SHAP values and with each model excluding normal stop words it shows they were really pulling at strings to put up distinctions in between the classes. </a:t>
+            </a:r>
+          </a:p>
+        </p:txBody>
+      </p:sp>
+      <p:sp>
+        <p:nvSpPr>
+          <p:cNvPr id="4" name="Slide Number Placeholder 3"/>
+          <p:cNvSpPr>
+            <a:spLocks noGrp="1"/>
+          </p:cNvSpPr>
+          <p:nvPr>
+            <p:ph type="sldNum" sz="quarter" idx="5"/>
+          </p:nvPr>
+        </p:nvSpPr>
+        <p:spPr/>
+        <p:txBody>
+          <a:bodyPr/>
+          <a:lstStyle/>
+          <a:p>
+            <a:fld id="{D2D7D451-6B4E-DA4B-AF45-451985631ADB}" type="slidenum">
+              <a:rPr lang="en-US" smtClean="0"/>
+              <a:t>7</a:t>
+            </a:fld>
+            <a:endParaRPr lang="en-US"/>
+          </a:p>
+        </p:txBody>
+      </p:sp>
+    </p:spTree>
+    <p:extLst>
+      <p:ext uri="{BB962C8B-B14F-4D97-AF65-F5344CB8AC3E}">
+        <p14:creationId xmlns:p14="http://schemas.microsoft.com/office/powerpoint/2010/main" val="3850811641"/>
+      </p:ext>
+    </p:extLst>
+  </p:cSld>
+  <p:clrMapOvr>
+    <a:masterClrMapping/>
+  </p:clrMapOvr>
+</p:notes>
+</file>
+
+<file path=ppt/notesSlides/notesSlide8.xml><?xml version="1.0" encoding="utf-8"?>
+<p:notes xmlns:a="http://schemas.openxmlformats.org/drawingml/2006/main" xmlns:r="http://schemas.openxmlformats.org/officeDocument/2006/relationships" xmlns:p="http://schemas.openxmlformats.org/presentationml/2006/main">
+  <p:cSld>
+    <p:spTree>
+      <p:nvGrpSpPr>
+        <p:cNvPr id="1" name=""/>
+        <p:cNvGrpSpPr/>
+        <p:nvPr/>
+      </p:nvGrpSpPr>
+      <p:grpSpPr>
+        <a:xfrm>
+          <a:off x="0" y="0"/>
+          <a:ext cx="0" cy="0"/>
+          <a:chOff x="0" y="0"/>
+          <a:chExt cx="0" cy="0"/>
+        </a:xfrm>
+      </p:grpSpPr>
+      <p:sp>
+        <p:nvSpPr>
+          <p:cNvPr id="2" name="Slide Image Placeholder 1"/>
+          <p:cNvSpPr>
+            <a:spLocks noGrp="1" noRot="1" noChangeAspect="1"/>
+          </p:cNvSpPr>
+          <p:nvPr>
+            <p:ph type="sldImg"/>
+          </p:nvPr>
+        </p:nvSpPr>
+        <p:spPr/>
+      </p:sp>
+      <p:sp>
+        <p:nvSpPr>
+          <p:cNvPr id="3" name="Notes Placeholder 2"/>
+          <p:cNvSpPr>
+            <a:spLocks noGrp="1"/>
+          </p:cNvSpPr>
+          <p:nvPr>
+            <p:ph type="body" idx="1"/>
+          </p:nvPr>
+        </p:nvSpPr>
+        <p:spPr/>
+        <p:txBody>
+          <a:bodyPr/>
+          <a:lstStyle/>
+          <a:p>
+            <a:r>
+              <a:rPr lang="en-US" dirty="0"/>
+              <a:t>Find me on LinkedIn because in the next few days I will be posting my findings. Share the post so people know how to distinguish between FAKE and REAL news on a continuing pandemic. </a:t>
+            </a:r>
+          </a:p>
+          <a:p>
+            <a:endParaRPr lang="en-US" dirty="0"/>
+          </a:p>
+          <a:p>
+            <a:r>
+              <a:rPr lang="en-US" dirty="0"/>
+              <a:t>To my employer friends if you are looking for a data scientist, a data analyst or journalist I’d love to talk to you more. In an ideal world I’d like to work in the political data environment as you have seen my affinity for natural language processing and sentiment analysis. I also can conduct the full range of machine learning methods. Don’t forget about journalism I maintain a blog and do visualizations in Tableau. So I hope to hear from all of you in some capacity. </a:t>
+            </a:r>
+          </a:p>
+        </p:txBody>
+      </p:sp>
+      <p:sp>
+        <p:nvSpPr>
+          <p:cNvPr id="4" name="Slide Number Placeholder 3"/>
+          <p:cNvSpPr>
+            <a:spLocks noGrp="1"/>
+          </p:cNvSpPr>
+          <p:nvPr>
+            <p:ph type="sldNum" sz="quarter" idx="5"/>
+          </p:nvPr>
+        </p:nvSpPr>
+        <p:spPr/>
+        <p:txBody>
+          <a:bodyPr/>
+          <a:lstStyle/>
+          <a:p>
+            <a:fld id="{D2D7D451-6B4E-DA4B-AF45-451985631ADB}" type="slidenum">
+              <a:rPr lang="en-US" smtClean="0"/>
+              <a:t>8</a:t>
+            </a:fld>
+            <a:endParaRPr lang="en-US"/>
+          </a:p>
+        </p:txBody>
+      </p:sp>
+    </p:spTree>
+    <p:extLst>
+      <p:ext uri="{BB962C8B-B14F-4D97-AF65-F5344CB8AC3E}">
+        <p14:creationId xmlns:p14="http://schemas.microsoft.com/office/powerpoint/2010/main" val="3255537602"/>
       </p:ext>
     </p:extLst>
   </p:cSld>
@@ -4497,7 +4989,7 @@
           </p:nvPr>
         </p:nvPicPr>
         <p:blipFill rotWithShape="1">
-          <a:blip r:embed="rId2">
+          <a:blip r:embed="rId3">
             <a:extLst>
               <a:ext uri="{28A0092B-C50C-407E-A947-70E740481C1C}">
                 <a14:useLocalDpi xmlns:a14="http://schemas.microsoft.com/office/drawing/2010/main" val="0"/>
@@ -5027,7 +5519,7 @@
           </p:nvPr>
         </p:nvPicPr>
         <p:blipFill rotWithShape="1">
-          <a:blip r:embed="rId3"/>
+          <a:blip r:embed="rId4"/>
           <a:srcRect l="2611" r="2602" b="-4"/>
           <a:stretch/>
         </p:blipFill>
@@ -5113,7 +5605,7 @@
           </p:nvPr>
         </p:nvPicPr>
         <p:blipFill rotWithShape="1">
-          <a:blip r:embed="rId2">
+          <a:blip r:embed="rId3">
             <a:extLst>
               <a:ext uri="{28A0092B-C50C-407E-A947-70E740481C1C}">
                 <a14:useLocalDpi xmlns:a14="http://schemas.microsoft.com/office/drawing/2010/main" val="0"/>
@@ -5603,7 +6095,7 @@
         <p:spPr>
           <a:xfrm>
             <a:off x="1447800" y="2651761"/>
-            <a:ext cx="4645025" cy="2917766"/>
+            <a:ext cx="4645025" cy="3035118"/>
           </a:xfrm>
         </p:spPr>
       </p:pic>
@@ -5666,7 +6158,7 @@
         <p:spPr>
           <a:xfrm>
             <a:off x="6515100" y="2651761"/>
-            <a:ext cx="4539752" cy="2917765"/>
+            <a:ext cx="4539752" cy="3035118"/>
           </a:xfrm>
         </p:spPr>
       </p:pic>
@@ -5754,7 +6246,7 @@
         <p:spPr>
           <a:xfrm>
             <a:off x="1451580" y="2132013"/>
-            <a:ext cx="9603274" cy="3449637"/>
+            <a:ext cx="9603274" cy="3921468"/>
           </a:xfrm>
         </p:spPr>
       </p:pic>
@@ -5803,14 +6295,14 @@
           <p:nvPr>
             <p:extLst>
               <p:ext uri="{D42A27DB-BD31-4B8C-83A1-F6EECF244321}">
-                <p14:modId xmlns:p14="http://schemas.microsoft.com/office/powerpoint/2010/main" val="3620837932"/>
+                <p14:modId xmlns:p14="http://schemas.microsoft.com/office/powerpoint/2010/main" val="3539889598"/>
               </p:ext>
             </p:extLst>
           </p:nvPr>
         </p:nvGraphicFramePr>
         <p:xfrm>
-          <a:off x="1214522" y="609754"/>
-          <a:ext cx="9028430" cy="5390996"/>
+          <a:off x="927100" y="609753"/>
+          <a:ext cx="10337800" cy="5889900"/>
         </p:xfrm>
         <a:graphic>
           <a:graphicData uri="http://schemas.openxmlformats.org/drawingml/2006/table">
@@ -5819,35 +6311,35 @@
                 <a:tableStyleId>{5C22544A-7EE6-4342-B048-85BDC9FD1C3A}</a:tableStyleId>
               </a:tblPr>
               <a:tblGrid>
-                <a:gridCol w="2056130">
+                <a:gridCol w="2354325">
                   <a:extLst>
                     <a:ext uri="{9D8B030D-6E8A-4147-A177-3AD203B41FA5}">
                       <a16:colId xmlns:a16="http://schemas.microsoft.com/office/drawing/2014/main" val="3144452513"/>
                     </a:ext>
                   </a:extLst>
                 </a:gridCol>
-                <a:gridCol w="1908810">
+                <a:gridCol w="2185640">
                   <a:extLst>
                     <a:ext uri="{9D8B030D-6E8A-4147-A177-3AD203B41FA5}">
                       <a16:colId xmlns:a16="http://schemas.microsoft.com/office/drawing/2014/main" val="2139953869"/>
                     </a:ext>
                   </a:extLst>
                 </a:gridCol>
-                <a:gridCol w="1554480">
+                <a:gridCol w="1779922">
                   <a:extLst>
                     <a:ext uri="{9D8B030D-6E8A-4147-A177-3AD203B41FA5}">
                       <a16:colId xmlns:a16="http://schemas.microsoft.com/office/drawing/2014/main" val="1772618999"/>
                     </a:ext>
                   </a:extLst>
                 </a:gridCol>
-                <a:gridCol w="1828800">
+                <a:gridCol w="2094026">
                   <a:extLst>
                     <a:ext uri="{9D8B030D-6E8A-4147-A177-3AD203B41FA5}">
                       <a16:colId xmlns:a16="http://schemas.microsoft.com/office/drawing/2014/main" val="3775364186"/>
                     </a:ext>
                   </a:extLst>
                 </a:gridCol>
-                <a:gridCol w="1680210">
+                <a:gridCol w="1923887">
                   <a:extLst>
                     <a:ext uri="{9D8B030D-6E8A-4147-A177-3AD203B41FA5}">
                       <a16:colId xmlns:a16="http://schemas.microsoft.com/office/drawing/2014/main" val="3488910788"/>
@@ -5855,7 +6347,7 @@
                   </a:extLst>
                 </a:gridCol>
               </a:tblGrid>
-              <a:tr h="414692">
+              <a:tr h="392660">
                 <a:tc>
                   <a:txBody>
                     <a:bodyPr/>
@@ -5959,7 +6451,7 @@
                   </a:ext>
                 </a:extLst>
               </a:tr>
-              <a:tr h="414692">
+              <a:tr h="392660">
                 <a:tc>
                   <a:txBody>
                     <a:bodyPr/>
@@ -6052,6 +6544,9 @@
                             <a:srgbClr val="000000"/>
                           </a:solidFill>
                           <a:effectLst/>
+                          <a:highlight>
+                            <a:srgbClr val="FFFF00"/>
+                          </a:highlight>
                           <a:latin typeface="Calibri" panose="020F0502020204030204" pitchFamily="34" charset="0"/>
                         </a:rPr>
                         <a:t>87.2%</a:t>
@@ -6066,7 +6561,7 @@
                   </a:ext>
                 </a:extLst>
               </a:tr>
-              <a:tr h="414692">
+              <a:tr h="392660">
                 <a:tc>
                   <a:txBody>
                     <a:bodyPr/>
@@ -6159,6 +6654,9 @@
                             <a:srgbClr val="000000"/>
                           </a:solidFill>
                           <a:effectLst/>
+                          <a:highlight>
+                            <a:srgbClr val="FFFF00"/>
+                          </a:highlight>
                           <a:latin typeface="Calibri" panose="020F0502020204030204" pitchFamily="34" charset="0"/>
                         </a:rPr>
                         <a:t>85.1%</a:t>
@@ -6173,7 +6671,7 @@
                   </a:ext>
                 </a:extLst>
               </a:tr>
-              <a:tr h="414692">
+              <a:tr h="392660">
                 <a:tc>
                   <a:txBody>
                     <a:bodyPr/>
@@ -6283,7 +6781,7 @@
                   </a:ext>
                 </a:extLst>
               </a:tr>
-              <a:tr h="414692">
+              <a:tr h="392660">
                 <a:tc>
                   <a:txBody>
                     <a:bodyPr/>
@@ -6393,7 +6891,7 @@
                   </a:ext>
                 </a:extLst>
               </a:tr>
-              <a:tr h="414692">
+              <a:tr h="392660">
                 <a:tc>
                   <a:txBody>
                     <a:bodyPr/>
@@ -6500,7 +6998,7 @@
                   </a:ext>
                 </a:extLst>
               </a:tr>
-              <a:tr h="414692">
+              <a:tr h="392660">
                 <a:tc>
                   <a:txBody>
                     <a:bodyPr/>
@@ -6607,7 +7105,7 @@
                   </a:ext>
                 </a:extLst>
               </a:tr>
-              <a:tr h="414692">
+              <a:tr h="392660">
                 <a:tc>
                   <a:txBody>
                     <a:bodyPr/>
@@ -6714,7 +7212,7 @@
                   </a:ext>
                 </a:extLst>
               </a:tr>
-              <a:tr h="414692">
+              <a:tr h="392660">
                 <a:tc>
                   <a:txBody>
                     <a:bodyPr/>
@@ -6821,7 +7319,7 @@
                   </a:ext>
                 </a:extLst>
               </a:tr>
-              <a:tr h="414692">
+              <a:tr h="392660">
                 <a:tc>
                   <a:txBody>
                     <a:bodyPr/>
@@ -6928,7 +7426,7 @@
                   </a:ext>
                 </a:extLst>
               </a:tr>
-              <a:tr h="414692">
+              <a:tr h="392660">
                 <a:tc>
                   <a:txBody>
                     <a:bodyPr/>
@@ -7001,9 +7499,6 @@
                             <a:srgbClr val="000000"/>
                           </a:solidFill>
                           <a:effectLst/>
-                          <a:highlight>
-                            <a:srgbClr val="FFFF00"/>
-                          </a:highlight>
                           <a:latin typeface="Calibri" panose="020F0502020204030204" pitchFamily="34" charset="0"/>
                         </a:rPr>
                         <a:t>18</a:t>
@@ -7024,6 +7519,9 @@
                             <a:srgbClr val="000000"/>
                           </a:solidFill>
                           <a:effectLst/>
+                          <a:highlight>
+                            <a:srgbClr val="FFFF00"/>
+                          </a:highlight>
                           <a:latin typeface="Calibri" panose="020F0502020204030204" pitchFamily="34" charset="0"/>
                         </a:rPr>
                         <a:t>15</a:t>
@@ -7038,7 +7536,7 @@
                   </a:ext>
                 </a:extLst>
               </a:tr>
-              <a:tr h="414692">
+              <a:tr h="392660">
                 <a:tc>
                   <a:txBody>
                     <a:bodyPr/>
@@ -7148,7 +7646,227 @@
                   </a:ext>
                 </a:extLst>
               </a:tr>
-              <a:tr h="414692">
+              <a:tr h="392660">
+                <a:tc>
+                  <a:txBody>
+                    <a:bodyPr/>
+                    <a:lstStyle/>
+                    <a:p>
+                      <a:pPr algn="l" fontAlgn="b"/>
+                      <a:r>
+                        <a:rPr lang="en-US" sz="1800" b="1" i="0" u="none" strike="noStrike" dirty="0">
+                          <a:solidFill>
+                            <a:srgbClr val="000000"/>
+                          </a:solidFill>
+                          <a:effectLst/>
+                          <a:latin typeface="Calibri" panose="020F0502020204030204" pitchFamily="34" charset="0"/>
+                        </a:rPr>
+                        <a:t>Accuracy </a:t>
+                      </a:r>
+                    </a:p>
+                  </a:txBody>
+                  <a:tcPr marL="9525" marR="9525" marT="9525" marB="0" anchor="b"/>
+                </a:tc>
+                <a:tc>
+                  <a:txBody>
+                    <a:bodyPr/>
+                    <a:lstStyle/>
+                    <a:p>
+                      <a:pPr algn="ctr" fontAlgn="b"/>
+                      <a:r>
+                        <a:rPr lang="en-US" sz="1600" b="0" i="0" u="none" strike="noStrike" dirty="0">
+                          <a:solidFill>
+                            <a:srgbClr val="000000"/>
+                          </a:solidFill>
+                          <a:effectLst/>
+                          <a:latin typeface="Calibri" panose="020F0502020204030204" pitchFamily="34" charset="0"/>
+                        </a:rPr>
+                        <a:t>85.6%</a:t>
+                      </a:r>
+                    </a:p>
+                  </a:txBody>
+                  <a:tcPr marL="9525" marR="9525" marT="9525" marB="0" anchor="b"/>
+                </a:tc>
+                <a:tc>
+                  <a:txBody>
+                    <a:bodyPr/>
+                    <a:lstStyle/>
+                    <a:p>
+                      <a:pPr algn="ctr" fontAlgn="b"/>
+                      <a:r>
+                        <a:rPr lang="en-US" sz="1600" b="0" i="0" u="none" strike="noStrike" dirty="0">
+                          <a:solidFill>
+                            <a:srgbClr val="000000"/>
+                          </a:solidFill>
+                          <a:effectLst/>
+                          <a:latin typeface="Calibri" panose="020F0502020204030204" pitchFamily="34" charset="0"/>
+                        </a:rPr>
+                        <a:t>81.4%</a:t>
+                      </a:r>
+                    </a:p>
+                  </a:txBody>
+                  <a:tcPr marL="9525" marR="9525" marT="9525" marB="0" anchor="b"/>
+                </a:tc>
+                <a:tc>
+                  <a:txBody>
+                    <a:bodyPr/>
+                    <a:lstStyle/>
+                    <a:p>
+                      <a:pPr algn="ctr" fontAlgn="b"/>
+                      <a:r>
+                        <a:rPr lang="en-US" sz="1600" b="0" i="0" u="none" strike="noStrike" dirty="0">
+                          <a:solidFill>
+                            <a:srgbClr val="000000"/>
+                          </a:solidFill>
+                          <a:effectLst/>
+                          <a:highlight>
+                            <a:srgbClr val="FFFF00"/>
+                          </a:highlight>
+                          <a:latin typeface="Calibri" panose="020F0502020204030204" pitchFamily="34" charset="0"/>
+                        </a:rPr>
+                        <a:t>86.2%</a:t>
+                      </a:r>
+                    </a:p>
+                  </a:txBody>
+                  <a:tcPr marL="9525" marR="9525" marT="9525" marB="0" anchor="b"/>
+                </a:tc>
+                <a:tc>
+                  <a:txBody>
+                    <a:bodyPr/>
+                    <a:lstStyle/>
+                    <a:p>
+                      <a:pPr algn="ctr" fontAlgn="b"/>
+                      <a:r>
+                        <a:rPr lang="en-US" sz="1600" b="0" i="0" u="none" strike="noStrike" dirty="0">
+                          <a:solidFill>
+                            <a:srgbClr val="000000"/>
+                          </a:solidFill>
+                          <a:effectLst/>
+                          <a:latin typeface="Calibri" panose="020F0502020204030204" pitchFamily="34" charset="0"/>
+                        </a:rPr>
+                        <a:t>85.1%</a:t>
+                      </a:r>
+                    </a:p>
+                  </a:txBody>
+                  <a:tcPr marL="9525" marR="9525" marT="9525" marB="0" anchor="b"/>
+                </a:tc>
+                <a:extLst>
+                  <a:ext uri="{0D108BD9-81ED-4DB2-BD59-A6C34878D82A}">
+                    <a16:rowId xmlns:a16="http://schemas.microsoft.com/office/drawing/2014/main" val="2677085201"/>
+                  </a:ext>
+                </a:extLst>
+              </a:tr>
+              <a:tr h="392660">
+                <a:tc>
+                  <a:txBody>
+                    <a:bodyPr/>
+                    <a:lstStyle/>
+                    <a:p>
+                      <a:pPr algn="l" fontAlgn="b"/>
+                      <a:r>
+                        <a:rPr lang="en-US" sz="1800" b="1" i="0" u="none" strike="noStrike" dirty="0">
+                          <a:solidFill>
+                            <a:srgbClr val="000000"/>
+                          </a:solidFill>
+                          <a:effectLst/>
+                          <a:latin typeface="Calibri" panose="020F0502020204030204" pitchFamily="34" charset="0"/>
+                        </a:rPr>
+                        <a:t>Precision</a:t>
+                      </a:r>
+                    </a:p>
+                  </a:txBody>
+                  <a:tcPr marL="9525" marR="9525" marT="9525" marB="0" anchor="b"/>
+                </a:tc>
+                <a:tc>
+                  <a:txBody>
+                    <a:bodyPr/>
+                    <a:lstStyle/>
+                    <a:p>
+                      <a:pPr algn="ctr" fontAlgn="b"/>
+                      <a:r>
+                        <a:rPr lang="en-US" sz="1600" b="0" i="0" u="none" strike="noStrike" dirty="0">
+                          <a:solidFill>
+                            <a:srgbClr val="000000"/>
+                          </a:solidFill>
+                          <a:effectLst/>
+                          <a:latin typeface="Calibri" panose="020F0502020204030204" pitchFamily="34" charset="0"/>
+                        </a:rPr>
+                        <a:t>83.9%</a:t>
+                      </a:r>
+                    </a:p>
+                  </a:txBody>
+                  <a:tcPr marL="9525" marR="9525" marT="9525" marB="0" anchor="b"/>
+                </a:tc>
+                <a:tc>
+                  <a:txBody>
+                    <a:bodyPr/>
+                    <a:lstStyle/>
+                    <a:p>
+                      <a:pPr algn="ctr" fontAlgn="b"/>
+                      <a:r>
+                        <a:rPr lang="en-US" sz="1600" b="0" i="0" u="none" strike="noStrike" dirty="0">
+                          <a:solidFill>
+                            <a:srgbClr val="000000"/>
+                          </a:solidFill>
+                          <a:effectLst/>
+                          <a:latin typeface="Calibri" panose="020F0502020204030204" pitchFamily="34" charset="0"/>
+                        </a:rPr>
+                        <a:t>81.5%</a:t>
+                      </a:r>
+                    </a:p>
+                  </a:txBody>
+                  <a:tcPr marL="9525" marR="9525" marT="9525" marB="0" anchor="b"/>
+                </a:tc>
+                <a:tc>
+                  <a:txBody>
+                    <a:bodyPr/>
+                    <a:lstStyle/>
+                    <a:p>
+                      <a:pPr algn="ctr" fontAlgn="b"/>
+                      <a:r>
+                        <a:rPr lang="en-US" sz="1600" b="0" i="0" u="none" strike="noStrike" dirty="0">
+                          <a:solidFill>
+                            <a:srgbClr val="000000"/>
+                          </a:solidFill>
+                          <a:effectLst/>
+                          <a:latin typeface="Calibri" panose="020F0502020204030204" pitchFamily="34" charset="0"/>
+                        </a:rPr>
+                        <a:t>91.0%</a:t>
+                      </a:r>
+                    </a:p>
+                  </a:txBody>
+                  <a:tcPr marL="9525" marR="9525" marT="9525" marB="0" anchor="b"/>
+                </a:tc>
+                <a:tc>
+                  <a:txBody>
+                    <a:bodyPr/>
+                    <a:lstStyle/>
+                    <a:p>
+                      <a:pPr algn="ctr" fontAlgn="b"/>
+                      <a:r>
+                        <a:rPr lang="en-US" sz="1600" b="0" i="0" u="none" strike="noStrike" dirty="0">
+                          <a:solidFill>
+                            <a:srgbClr val="000000"/>
+                          </a:solidFill>
+                          <a:effectLst/>
+                          <a:highlight>
+                            <a:srgbClr val="FFFF00"/>
+                          </a:highlight>
+                          <a:latin typeface="Calibri" panose="020F0502020204030204" pitchFamily="34" charset="0"/>
+                        </a:rPr>
+                        <a:t>91.1%</a:t>
+                      </a:r>
+                    </a:p>
+                  </a:txBody>
+                  <a:tcPr marL="9525" marR="9525" marT="9525" marB="0" anchor="b"/>
+                </a:tc>
+                <a:extLst>
+                  <a:ext uri="{0D108BD9-81ED-4DB2-BD59-A6C34878D82A}">
+                    <a16:rowId xmlns:a16="http://schemas.microsoft.com/office/drawing/2014/main" val="2743408679"/>
+                  </a:ext>
+                </a:extLst>
+              </a:tr>
+              <a:tr h="392660">
                 <a:tc>
                   <a:txBody>
                     <a:bodyPr/>
@@ -7181,9 +7899,6 @@
                             <a:srgbClr val="000000"/>
                           </a:solidFill>
                           <a:effectLst/>
-                          <a:highlight>
-                            <a:srgbClr val="FFFF00"/>
-                          </a:highlight>
                           <a:latin typeface="Calibri" panose="020F0502020204030204" pitchFamily="34" charset="0"/>
                         </a:rPr>
                         <a:t>NONE</a:t>
@@ -7204,20 +7919,10 @@
                             <a:srgbClr val="000000"/>
                           </a:solidFill>
                           <a:effectLst/>
-                          <a:highlight>
-                            <a:srgbClr val="FFFF00"/>
-                          </a:highlight>
                           <a:latin typeface="Calibri" panose="020F0502020204030204" pitchFamily="34" charset="0"/>
                         </a:rPr>
                         <a:t>NONE</a:t>
                       </a:r>
-                      <a:endParaRPr lang="en-US" sz="1600" b="0" i="0" u="none" strike="noStrike" dirty="0">
-                        <a:solidFill>
-                          <a:srgbClr val="000000"/>
-                        </a:solidFill>
-                        <a:effectLst/>
-                        <a:latin typeface="Calibri" panose="020F0502020204030204" pitchFamily="34" charset="0"/>
-                      </a:endParaRPr>
                     </a:p>
                   </a:txBody>
                   <a:tcPr marL="9525" marR="9525" marT="9525" marB="0" anchor="b"/>
@@ -7234,9 +7939,6 @@
                             <a:srgbClr val="000000"/>
                           </a:solidFill>
                           <a:effectLst/>
-                          <a:highlight>
-                            <a:srgbClr val="FFFF00"/>
-                          </a:highlight>
                           <a:latin typeface="Calibri" panose="020F0502020204030204" pitchFamily="34" charset="0"/>
                         </a:rPr>
                         <a:t>NONE</a:t>
@@ -7264,20 +7966,10 @@
                             <a:srgbClr val="000000"/>
                           </a:solidFill>
                           <a:effectLst/>
-                          <a:highlight>
-                            <a:srgbClr val="FFFF00"/>
-                          </a:highlight>
                           <a:latin typeface="Calibri" panose="020F0502020204030204" pitchFamily="34" charset="0"/>
                         </a:rPr>
                         <a:t>NONE</a:t>
                       </a:r>
-                      <a:endParaRPr lang="en-US" sz="1600" b="0" i="0" u="none" strike="noStrike" dirty="0">
-                        <a:solidFill>
-                          <a:srgbClr val="000000"/>
-                        </a:solidFill>
-                        <a:effectLst/>
-                        <a:latin typeface="Calibri" panose="020F0502020204030204" pitchFamily="34" charset="0"/>
-                      </a:endParaRPr>
                     </a:p>
                   </a:txBody>
                   <a:tcPr marL="9525" marR="9525" marT="9525" marB="0" anchor="b"/>
@@ -7308,8 +8000,8 @@
         </p:nvSpPr>
         <p:spPr>
           <a:xfrm>
-            <a:off x="927100" y="85137"/>
-            <a:ext cx="9603275" cy="1049235"/>
+            <a:off x="927100" y="85138"/>
+            <a:ext cx="9603275" cy="524616"/>
           </a:xfrm>
           <a:prstGeom prst="rect">
             <a:avLst/>
@@ -7340,7 +8032,7 @@
           <a:p>
             <a:r>
               <a:rPr lang="en-US" dirty="0"/>
-              <a:t>Modeling</a:t>
+              <a:t>Modeling results</a:t>
             </a:r>
           </a:p>
         </p:txBody>
@@ -7399,12 +8091,695 @@
           <a:chExt cx="0" cy="0"/>
         </a:xfrm>
       </p:grpSpPr>
-      <p:sp>
-        <p:nvSpPr>
-          <p:cNvPr id="10" name="Rectangle 9">
+      <p:sp useBgFill="1">
+        <p:nvSpPr>
+          <p:cNvPr id="53" name="Rectangle 52">
             <a:extLst>
               <a:ext uri="{FF2B5EF4-FFF2-40B4-BE49-F238E27FC236}">
-                <a16:creationId xmlns:a16="http://schemas.microsoft.com/office/drawing/2014/main" id="{0CABCAE3-64FC-4149-819F-2C1812824154}"/>
+                <a16:creationId xmlns:a16="http://schemas.microsoft.com/office/drawing/2014/main" id="{C630F413-44CE-4746-9821-9E0107978E7A}"/>
+              </a:ext>
+              <a:ext uri="{C183D7F6-B498-43B3-948B-1728B52AA6E4}">
+                <adec:decorative xmlns:adec="http://schemas.microsoft.com/office/drawing/2017/decorative" val="1"/>
+              </a:ext>
+            </a:extLst>
+          </p:cNvPr>
+          <p:cNvSpPr>
+            <a:spLocks noGrp="1" noRot="1" noChangeAspect="1" noMove="1" noResize="1" noEditPoints="1" noAdjustHandles="1" noChangeArrowheads="1" noChangeShapeType="1" noTextEdit="1"/>
+          </p:cNvSpPr>
+          <p:nvPr>
+            <p:extLst>
+              <p:ext uri="{386F3935-93C4-4BCD-93E2-E3B085C9AB24}">
+                <p16:designElem xmlns:p16="http://schemas.microsoft.com/office/powerpoint/2015/main" val="1"/>
+              </p:ext>
+            </p:extLst>
+          </p:nvPr>
+        </p:nvSpPr>
+        <p:spPr>
+          <a:xfrm>
+            <a:off x="2" y="0"/>
+            <a:ext cx="12191695" cy="6858000"/>
+          </a:xfrm>
+          <a:prstGeom prst="rect">
+            <a:avLst/>
+          </a:prstGeom>
+          <a:ln>
+            <a:noFill/>
+          </a:ln>
+        </p:spPr>
+        <p:style>
+          <a:lnRef idx="2">
+            <a:schemeClr val="accent1">
+              <a:shade val="50000"/>
+            </a:schemeClr>
+          </a:lnRef>
+          <a:fillRef idx="1">
+            <a:schemeClr val="accent1"/>
+          </a:fillRef>
+          <a:effectRef idx="0">
+            <a:schemeClr val="accent1"/>
+          </a:effectRef>
+          <a:fontRef idx="minor">
+            <a:schemeClr val="lt1"/>
+          </a:fontRef>
+        </p:style>
+        <p:txBody>
+          <a:bodyPr rtlCol="0" anchor="ctr"/>
+          <a:lstStyle/>
+          <a:p>
+            <a:pPr algn="ctr"/>
+            <a:endParaRPr lang="en-US"/>
+          </a:p>
+        </p:txBody>
+      </p:sp>
+      <p:sp>
+        <p:nvSpPr>
+          <p:cNvPr id="55" name="Rectangle 54">
+            <a:extLst>
+              <a:ext uri="{FF2B5EF4-FFF2-40B4-BE49-F238E27FC236}">
+                <a16:creationId xmlns:a16="http://schemas.microsoft.com/office/drawing/2014/main" id="{22D671B1-B099-4F9C-B9CC-9D22B4DAF8A8}"/>
+              </a:ext>
+              <a:ext uri="{C183D7F6-B498-43B3-948B-1728B52AA6E4}">
+                <adec:decorative xmlns:adec="http://schemas.microsoft.com/office/drawing/2017/decorative" val="1"/>
+              </a:ext>
+            </a:extLst>
+          </p:cNvPr>
+          <p:cNvSpPr>
+            <a:spLocks noGrp="1" noRot="1" noChangeAspect="1" noMove="1" noResize="1" noEditPoints="1" noAdjustHandles="1" noChangeArrowheads="1" noChangeShapeType="1" noTextEdit="1"/>
+          </p:cNvSpPr>
+          <p:nvPr>
+            <p:extLst>
+              <p:ext uri="{386F3935-93C4-4BCD-93E2-E3B085C9AB24}">
+                <p16:designElem xmlns:p16="http://schemas.microsoft.com/office/powerpoint/2015/main" val="1"/>
+              </p:ext>
+            </p:extLst>
+          </p:nvPr>
+        </p:nvSpPr>
+        <p:spPr>
+          <a:xfrm>
+            <a:off x="0" y="2019476"/>
+            <a:ext cx="12192000" cy="4838524"/>
+          </a:xfrm>
+          <a:prstGeom prst="rect">
+            <a:avLst/>
+          </a:prstGeom>
+          <a:gradFill flip="none" rotWithShape="1">
+            <a:gsLst>
+              <a:gs pos="0">
+                <a:schemeClr val="bg2">
+                  <a:alpha val="0"/>
+                </a:schemeClr>
+              </a:gs>
+              <a:gs pos="100000">
+                <a:schemeClr val="bg2"/>
+              </a:gs>
+            </a:gsLst>
+            <a:lin ang="5400000" scaled="0"/>
+            <a:tileRect/>
+          </a:gradFill>
+          <a:ln>
+            <a:noFill/>
+          </a:ln>
+        </p:spPr>
+        <p:style>
+          <a:lnRef idx="2">
+            <a:schemeClr val="accent1">
+              <a:shade val="50000"/>
+            </a:schemeClr>
+          </a:lnRef>
+          <a:fillRef idx="1">
+            <a:schemeClr val="accent1"/>
+          </a:fillRef>
+          <a:effectRef idx="0">
+            <a:schemeClr val="accent1"/>
+          </a:effectRef>
+          <a:fontRef idx="minor">
+            <a:schemeClr val="lt1"/>
+          </a:fontRef>
+        </p:style>
+        <p:txBody>
+          <a:bodyPr rtlCol="0" anchor="ctr"/>
+          <a:lstStyle/>
+          <a:p>
+            <a:pPr lvl="0" algn="ctr"/>
+            <a:endParaRPr lang="en-US"/>
+          </a:p>
+        </p:txBody>
+      </p:sp>
+      <p:sp>
+        <p:nvSpPr>
+          <p:cNvPr id="2" name="Title 1">
+            <a:extLst>
+              <a:ext uri="{FF2B5EF4-FFF2-40B4-BE49-F238E27FC236}">
+                <a16:creationId xmlns:a16="http://schemas.microsoft.com/office/drawing/2014/main" id="{2E7C5EAA-5F9C-E24F-8116-B478CCA05B12}"/>
+              </a:ext>
+            </a:extLst>
+          </p:cNvPr>
+          <p:cNvSpPr>
+            <a:spLocks noGrp="1"/>
+          </p:cNvSpPr>
+          <p:nvPr>
+            <p:ph type="title"/>
+          </p:nvPr>
+        </p:nvSpPr>
+        <p:spPr>
+          <a:xfrm>
+            <a:off x="7555992" y="707475"/>
+            <a:ext cx="3157577" cy="1312001"/>
+          </a:xfrm>
+        </p:spPr>
+        <p:txBody>
+          <a:bodyPr vert="horz" lIns="91440" tIns="45720" rIns="91440" bIns="0" rtlCol="0" anchor="t">
+            <a:normAutofit/>
+          </a:bodyPr>
+          <a:lstStyle/>
+          <a:p>
+            <a:r>
+              <a:rPr lang="en-US" sz="2800"/>
+              <a:t>What did we learn?</a:t>
+            </a:r>
+            <a:br>
+              <a:rPr lang="en-US" sz="2800"/>
+            </a:br>
+            <a:r>
+              <a:rPr lang="en-US" sz="2800"/>
+              <a:t>SHAP values</a:t>
+            </a:r>
+          </a:p>
+        </p:txBody>
+      </p:sp>
+      <p:cxnSp>
+        <p:nvCxnSpPr>
+          <p:cNvPr id="57" name="Straight Connector 56">
+            <a:extLst>
+              <a:ext uri="{FF2B5EF4-FFF2-40B4-BE49-F238E27FC236}">
+                <a16:creationId xmlns:a16="http://schemas.microsoft.com/office/drawing/2014/main" id="{7552FBEF-FA69-427B-8245-0A518E0513D5}"/>
+              </a:ext>
+              <a:ext uri="{C183D7F6-B498-43B3-948B-1728B52AA6E4}">
+                <adec:decorative xmlns:adec="http://schemas.microsoft.com/office/drawing/2017/decorative" val="1"/>
+              </a:ext>
+            </a:extLst>
+          </p:cNvPr>
+          <p:cNvCxnSpPr>
+            <a:cxnSpLocks noGrp="1" noRot="1" noChangeAspect="1" noMove="1" noResize="1" noEditPoints="1" noAdjustHandles="1" noChangeArrowheads="1" noChangeShapeType="1"/>
+          </p:cNvCxnSpPr>
+          <p:nvPr>
+            <p:extLst>
+              <p:ext uri="{386F3935-93C4-4BCD-93E2-E3B085C9AB24}">
+                <p16:designElem xmlns:p16="http://schemas.microsoft.com/office/powerpoint/2015/main" val="1"/>
+              </p:ext>
+            </p:extLst>
+          </p:nvPr>
+        </p:nvCxnSpPr>
+        <p:spPr>
+          <a:xfrm>
+            <a:off x="7555992" y="2146542"/>
+            <a:ext cx="3157578" cy="0"/>
+          </a:xfrm>
+          <a:prstGeom prst="line">
+            <a:avLst/>
+          </a:prstGeom>
+          <a:ln w="31750"/>
+        </p:spPr>
+        <p:style>
+          <a:lnRef idx="3">
+            <a:schemeClr val="accent1"/>
+          </a:lnRef>
+          <a:fillRef idx="0">
+            <a:schemeClr val="accent1"/>
+          </a:fillRef>
+          <a:effectRef idx="2">
+            <a:schemeClr val="accent1"/>
+          </a:effectRef>
+          <a:fontRef idx="minor">
+            <a:schemeClr val="tx1"/>
+          </a:fontRef>
+        </p:style>
+      </p:cxnSp>
+      <p:sp>
+        <p:nvSpPr>
+          <p:cNvPr id="59" name="Title 1">
+            <a:extLst>
+              <a:ext uri="{FF2B5EF4-FFF2-40B4-BE49-F238E27FC236}">
+                <a16:creationId xmlns:a16="http://schemas.microsoft.com/office/drawing/2014/main" id="{898488B7-DBD3-40E7-B54B-4DA6C5693EF3}"/>
+              </a:ext>
+              <a:ext uri="{C183D7F6-B498-43B3-948B-1728B52AA6E4}">
+                <adec:decorative xmlns:adec="http://schemas.microsoft.com/office/drawing/2017/decorative" val="1"/>
+              </a:ext>
+            </a:extLst>
+          </p:cNvPr>
+          <p:cNvSpPr txBox="1">
+            <a:spLocks noGrp="1" noRot="1" noChangeAspect="1" noMove="1" noResize="1" noEditPoints="1" noAdjustHandles="1" noChangeArrowheads="1" noChangeShapeType="1" noTextEdit="1"/>
+          </p:cNvSpPr>
+          <p:nvPr>
+            <p:extLst>
+              <p:ext uri="{386F3935-93C4-4BCD-93E2-E3B085C9AB24}">
+                <p16:designElem xmlns:p16="http://schemas.microsoft.com/office/powerpoint/2015/main" val="1"/>
+              </p:ext>
+            </p:extLst>
+          </p:nvPr>
+        </p:nvSpPr>
+        <p:spPr>
+          <a:xfrm>
+            <a:off x="1451580" y="3122496"/>
+            <a:ext cx="3530157" cy="1049235"/>
+          </a:xfrm>
+          <a:prstGeom prst="rect">
+            <a:avLst/>
+          </a:prstGeom>
+        </p:spPr>
+        <p:txBody>
+          <a:bodyPr vert="horz" lIns="91440" tIns="45720" rIns="91440" bIns="45720" rtlCol="0" anchor="t">
+            <a:normAutofit/>
+          </a:bodyPr>
+          <a:lstStyle>
+            <a:lvl1pPr algn="l" defTabSz="914400" rtl="0" eaLnBrk="1" latinLnBrk="0" hangingPunct="1">
+              <a:lnSpc>
+                <a:spcPct val="90000"/>
+              </a:lnSpc>
+              <a:spcBef>
+                <a:spcPct val="0"/>
+              </a:spcBef>
+              <a:buNone/>
+              <a:defRPr sz="3200" b="0" i="0" kern="1200" cap="all">
+                <a:solidFill>
+                  <a:schemeClr val="tx1"/>
+                </a:solidFill>
+                <a:effectLst/>
+                <a:latin typeface="+mj-lt"/>
+                <a:ea typeface="+mj-ea"/>
+                <a:cs typeface="+mj-cs"/>
+              </a:defRPr>
+            </a:lvl1pPr>
+          </a:lstStyle>
+          <a:p>
+            <a:endParaRPr lang="en-US" dirty="0"/>
+          </a:p>
+        </p:txBody>
+      </p:sp>
+      <p:pic>
+        <p:nvPicPr>
+          <p:cNvPr id="7" name="Content Placeholder 6" descr="A screenshot of a cell phone&#10;&#10;Description automatically generated">
+            <a:extLst>
+              <a:ext uri="{FF2B5EF4-FFF2-40B4-BE49-F238E27FC236}">
+                <a16:creationId xmlns:a16="http://schemas.microsoft.com/office/drawing/2014/main" id="{CCB63F02-17F1-7540-83F9-0DBB9DFDCA02}"/>
+              </a:ext>
+            </a:extLst>
+          </p:cNvPr>
+          <p:cNvPicPr>
+            <a:picLocks noChangeAspect="1"/>
+          </p:cNvPicPr>
+          <p:nvPr/>
+        </p:nvPicPr>
+        <p:blipFill>
+          <a:blip r:embed="rId3"/>
+          <a:stretch>
+            <a:fillRect/>
+          </a:stretch>
+        </p:blipFill>
+        <p:spPr>
+          <a:xfrm>
+            <a:off x="494271" y="371000"/>
+            <a:ext cx="6353980" cy="6179245"/>
+          </a:xfrm>
+          <a:prstGeom prst="rect">
+            <a:avLst/>
+          </a:prstGeom>
+        </p:spPr>
+      </p:pic>
+      <p:sp>
+        <p:nvSpPr>
+          <p:cNvPr id="50" name="Content Placeholder 49">
+            <a:extLst>
+              <a:ext uri="{FF2B5EF4-FFF2-40B4-BE49-F238E27FC236}">
+                <a16:creationId xmlns:a16="http://schemas.microsoft.com/office/drawing/2014/main" id="{D7976853-4E72-4948-A033-0F59AA1FDBFE}"/>
+              </a:ext>
+            </a:extLst>
+          </p:cNvPr>
+          <p:cNvSpPr>
+            <a:spLocks noGrp="1"/>
+          </p:cNvSpPr>
+          <p:nvPr>
+            <p:ph idx="1"/>
+          </p:nvPr>
+        </p:nvSpPr>
+        <p:spPr>
+          <a:xfrm>
+            <a:off x="7554138" y="2273608"/>
+            <a:ext cx="3159432" cy="3940925"/>
+          </a:xfrm>
+        </p:spPr>
+        <p:txBody>
+          <a:bodyPr>
+            <a:normAutofit/>
+          </a:bodyPr>
+          <a:lstStyle/>
+          <a:p>
+            <a:r>
+              <a:rPr lang="en-US" dirty="0"/>
+              <a:t>A shapely value is the average of the marginal impact across different combinations. </a:t>
+            </a:r>
+          </a:p>
+          <a:p>
+            <a:r>
+              <a:rPr lang="en-US" dirty="0"/>
+              <a:t>Think of this as which player on the basketball team contributes the most to the team’s success. In this case the model’s decision. </a:t>
+            </a:r>
+          </a:p>
+          <a:p>
+            <a:endParaRPr lang="en-US" dirty="0"/>
+          </a:p>
+        </p:txBody>
+      </p:sp>
+    </p:spTree>
+    <p:extLst>
+      <p:ext uri="{BB962C8B-B14F-4D97-AF65-F5344CB8AC3E}">
+        <p14:creationId xmlns:p14="http://schemas.microsoft.com/office/powerpoint/2010/main" val="1942083758"/>
+      </p:ext>
+    </p:extLst>
+  </p:cSld>
+  <p:clrMapOvr>
+    <a:masterClrMapping/>
+  </p:clrMapOvr>
+</p:sld>
+</file>
+
+<file path=ppt/slides/slide7.xml><?xml version="1.0" encoding="utf-8"?>
+<p:sld xmlns:a="http://schemas.openxmlformats.org/drawingml/2006/main" xmlns:r="http://schemas.openxmlformats.org/officeDocument/2006/relationships" xmlns:p="http://schemas.openxmlformats.org/presentationml/2006/main">
+  <p:cSld>
+    <p:spTree>
+      <p:nvGrpSpPr>
+        <p:cNvPr id="1" name=""/>
+        <p:cNvGrpSpPr/>
+        <p:nvPr/>
+      </p:nvGrpSpPr>
+      <p:grpSpPr>
+        <a:xfrm>
+          <a:off x="0" y="0"/>
+          <a:ext cx="0" cy="0"/>
+          <a:chOff x="0" y="0"/>
+          <a:chExt cx="0" cy="0"/>
+        </a:xfrm>
+      </p:grpSpPr>
+      <p:sp>
+        <p:nvSpPr>
+          <p:cNvPr id="2" name="Title 1">
+            <a:extLst>
+              <a:ext uri="{FF2B5EF4-FFF2-40B4-BE49-F238E27FC236}">
+                <a16:creationId xmlns:a16="http://schemas.microsoft.com/office/drawing/2014/main" id="{9D2A0F6F-ACBD-6C4F-9DD1-F97BE2C71BFB}"/>
+              </a:ext>
+            </a:extLst>
+          </p:cNvPr>
+          <p:cNvSpPr>
+            <a:spLocks noGrp="1"/>
+          </p:cNvSpPr>
+          <p:nvPr>
+            <p:ph type="title"/>
+          </p:nvPr>
+        </p:nvSpPr>
+        <p:spPr/>
+        <p:txBody>
+          <a:bodyPr/>
+          <a:lstStyle/>
+          <a:p>
+            <a:r>
+              <a:rPr lang="en-US" dirty="0"/>
+              <a:t>Conclusions, limitations and next steps</a:t>
+            </a:r>
+          </a:p>
+        </p:txBody>
+      </p:sp>
+      <p:sp>
+        <p:nvSpPr>
+          <p:cNvPr id="3" name="Content Placeholder 2">
+            <a:extLst>
+              <a:ext uri="{FF2B5EF4-FFF2-40B4-BE49-F238E27FC236}">
+                <a16:creationId xmlns:a16="http://schemas.microsoft.com/office/drawing/2014/main" id="{535FCAE0-43D3-5C4F-B864-5329A8A7C868}"/>
+              </a:ext>
+            </a:extLst>
+          </p:cNvPr>
+          <p:cNvSpPr>
+            <a:spLocks noGrp="1"/>
+          </p:cNvSpPr>
+          <p:nvPr>
+            <p:ph idx="1"/>
+          </p:nvPr>
+        </p:nvSpPr>
+        <p:spPr>
+          <a:xfrm>
+            <a:off x="1451579" y="1853754"/>
+            <a:ext cx="9603275" cy="4199727"/>
+          </a:xfrm>
+        </p:spPr>
+        <p:txBody>
+          <a:bodyPr>
+            <a:normAutofit/>
+          </a:bodyPr>
+          <a:lstStyle/>
+          <a:p>
+            <a:r>
+              <a:rPr lang="en-US" dirty="0"/>
+              <a:t>This project does not take in any notion of political bias between news organizations and or the fact checkers themselves, which can be problematic as simply “updating” people on the COVID-19 figures don’t really give people information about the virus itself. </a:t>
+            </a:r>
+          </a:p>
+          <a:p>
+            <a:r>
+              <a:rPr lang="en-US" dirty="0"/>
+              <a:t>The most critical limitation is this is just headline text and it shows in the SHAP values. One way to get more data would be to find a way to scrap into the fake news stories and attain the articles themselves in the News API, and on pointer. </a:t>
+            </a:r>
+          </a:p>
+          <a:p>
+            <a:r>
+              <a:rPr lang="en-US" dirty="0"/>
+              <a:t>The fact stop words were not used confirms again that there isn’t a lot of textual data to deal with. </a:t>
+            </a:r>
+          </a:p>
+          <a:p>
+            <a:r>
+              <a:rPr lang="en-US" dirty="0"/>
+              <a:t>Next step …. ALWAYS GET MORE DATA!!!</a:t>
+            </a:r>
+          </a:p>
+          <a:p>
+            <a:endParaRPr lang="en-US" dirty="0"/>
+          </a:p>
+          <a:p>
+            <a:endParaRPr lang="en-US" dirty="0"/>
+          </a:p>
+          <a:p>
+            <a:endParaRPr lang="en-US" dirty="0"/>
+          </a:p>
+        </p:txBody>
+      </p:sp>
+    </p:spTree>
+    <p:extLst>
+      <p:ext uri="{BB962C8B-B14F-4D97-AF65-F5344CB8AC3E}">
+        <p14:creationId xmlns:p14="http://schemas.microsoft.com/office/powerpoint/2010/main" val="3027152770"/>
+      </p:ext>
+    </p:extLst>
+  </p:cSld>
+  <p:clrMapOvr>
+    <a:masterClrMapping/>
+  </p:clrMapOvr>
+</p:sld>
+</file>
+
+<file path=ppt/slides/slide8.xml><?xml version="1.0" encoding="utf-8"?>
+<p:sld xmlns:a="http://schemas.openxmlformats.org/drawingml/2006/main" xmlns:r="http://schemas.openxmlformats.org/officeDocument/2006/relationships" xmlns:p="http://schemas.openxmlformats.org/presentationml/2006/main">
+  <p:cSld>
+    <p:bg>
+      <p:bgPr>
+        <a:gradFill rotWithShape="1">
+          <a:gsLst>
+            <a:gs pos="0">
+              <a:schemeClr val="bg2">
+                <a:tint val="94000"/>
+                <a:satMod val="80000"/>
+                <a:lumMod val="106000"/>
+              </a:schemeClr>
+            </a:gs>
+            <a:gs pos="100000">
+              <a:schemeClr val="bg2">
+                <a:shade val="80000"/>
+              </a:schemeClr>
+            </a:gs>
+          </a:gsLst>
+          <a:path path="circle">
+            <a:fillToRect l="43000" r="43000" b="100000"/>
+          </a:path>
+        </a:gradFill>
+        <a:effectLst/>
+      </p:bgPr>
+    </p:bg>
+    <p:spTree>
+      <p:nvGrpSpPr>
+        <p:cNvPr id="1" name=""/>
+        <p:cNvGrpSpPr/>
+        <p:nvPr/>
+      </p:nvGrpSpPr>
+      <p:grpSpPr>
+        <a:xfrm>
+          <a:off x="0" y="0"/>
+          <a:ext cx="0" cy="0"/>
+          <a:chOff x="0" y="0"/>
+          <a:chExt cx="0" cy="0"/>
+        </a:xfrm>
+      </p:grpSpPr>
+      <p:sp useBgFill="1">
+        <p:nvSpPr>
+          <p:cNvPr id="21" name="Rectangle 11">
+            <a:extLst>
+              <a:ext uri="{FF2B5EF4-FFF2-40B4-BE49-F238E27FC236}">
+                <a16:creationId xmlns:a16="http://schemas.microsoft.com/office/drawing/2014/main" id="{35C3D674-3D59-4E93-80CA-0C0A9095E816}"/>
+              </a:ext>
+              <a:ext uri="{C183D7F6-B498-43B3-948B-1728B52AA6E4}">
+                <adec:decorative xmlns:adec="http://schemas.microsoft.com/office/drawing/2017/decorative" val="1"/>
+              </a:ext>
+            </a:extLst>
+          </p:cNvPr>
+          <p:cNvSpPr>
+            <a:spLocks noGrp="1" noRot="1" noChangeAspect="1" noMove="1" noResize="1" noEditPoints="1" noAdjustHandles="1" noChangeArrowheads="1" noChangeShapeType="1" noTextEdit="1"/>
+          </p:cNvSpPr>
+          <p:nvPr>
+            <p:extLst>
+              <p:ext uri="{386F3935-93C4-4BCD-93E2-E3B085C9AB24}">
+                <p16:designElem xmlns:p16="http://schemas.microsoft.com/office/powerpoint/2015/main" val="1"/>
+              </p:ext>
+            </p:extLst>
+          </p:nvPr>
+        </p:nvSpPr>
+        <p:spPr>
+          <a:xfrm>
+            <a:off x="2" y="0"/>
+            <a:ext cx="12191695" cy="6858000"/>
+          </a:xfrm>
+          <a:prstGeom prst="rect">
+            <a:avLst/>
+          </a:prstGeom>
+          <a:ln>
+            <a:noFill/>
+          </a:ln>
+        </p:spPr>
+        <p:style>
+          <a:lnRef idx="2">
+            <a:schemeClr val="accent1">
+              <a:shade val="50000"/>
+            </a:schemeClr>
+          </a:lnRef>
+          <a:fillRef idx="1">
+            <a:schemeClr val="accent1"/>
+          </a:fillRef>
+          <a:effectRef idx="0">
+            <a:schemeClr val="accent1"/>
+          </a:effectRef>
+          <a:fontRef idx="minor">
+            <a:schemeClr val="lt1"/>
+          </a:fontRef>
+        </p:style>
+        <p:txBody>
+          <a:bodyPr rtlCol="0" anchor="ctr"/>
+          <a:lstStyle/>
+          <a:p>
+            <a:pPr algn="ctr"/>
+            <a:endParaRPr lang="en-US"/>
+          </a:p>
+        </p:txBody>
+      </p:sp>
+      <p:cxnSp>
+        <p:nvCxnSpPr>
+          <p:cNvPr id="22" name="Straight Connector 13">
+            <a:extLst>
+              <a:ext uri="{FF2B5EF4-FFF2-40B4-BE49-F238E27FC236}">
+                <a16:creationId xmlns:a16="http://schemas.microsoft.com/office/drawing/2014/main" id="{C884B8F8-FDC9-498B-9960-5D7260AFCB03}"/>
+              </a:ext>
+              <a:ext uri="{C183D7F6-B498-43B3-948B-1728B52AA6E4}">
+                <adec:decorative xmlns:adec="http://schemas.microsoft.com/office/drawing/2017/decorative" val="1"/>
+              </a:ext>
+            </a:extLst>
+          </p:cNvPr>
+          <p:cNvCxnSpPr>
+            <a:cxnSpLocks noGrp="1" noRot="1" noChangeAspect="1" noMove="1" noResize="1" noEditPoints="1" noAdjustHandles="1" noChangeArrowheads="1" noChangeShapeType="1"/>
+          </p:cNvCxnSpPr>
+          <p:nvPr>
+            <p:extLst>
+              <p:ext uri="{386F3935-93C4-4BCD-93E2-E3B085C9AB24}">
+                <p16:designElem xmlns:p16="http://schemas.microsoft.com/office/powerpoint/2015/main" val="1"/>
+              </p:ext>
+            </p:extLst>
+          </p:nvPr>
+        </p:nvCxnSpPr>
+        <p:spPr>
+          <a:xfrm>
+            <a:off x="1453896" y="1847088"/>
+            <a:ext cx="4177373" cy="0"/>
+          </a:xfrm>
+          <a:prstGeom prst="line">
+            <a:avLst/>
+          </a:prstGeom>
+          <a:ln w="31750"/>
+        </p:spPr>
+        <p:style>
+          <a:lnRef idx="3">
+            <a:schemeClr val="accent1"/>
+          </a:lnRef>
+          <a:fillRef idx="0">
+            <a:schemeClr val="accent1"/>
+          </a:fillRef>
+          <a:effectRef idx="2">
+            <a:schemeClr val="accent1"/>
+          </a:effectRef>
+          <a:fontRef idx="minor">
+            <a:schemeClr val="tx1"/>
+          </a:fontRef>
+        </p:style>
+      </p:cxnSp>
+      <p:sp>
+        <p:nvSpPr>
+          <p:cNvPr id="2" name="Title 1">
+            <a:extLst>
+              <a:ext uri="{FF2B5EF4-FFF2-40B4-BE49-F238E27FC236}">
+                <a16:creationId xmlns:a16="http://schemas.microsoft.com/office/drawing/2014/main" id="{73F24643-46A7-3941-A518-F5396611D7C7}"/>
+              </a:ext>
+            </a:extLst>
+          </p:cNvPr>
+          <p:cNvSpPr>
+            <a:spLocks noGrp="1"/>
+          </p:cNvSpPr>
+          <p:nvPr>
+            <p:ph type="title"/>
+          </p:nvPr>
+        </p:nvSpPr>
+        <p:spPr>
+          <a:xfrm>
+            <a:off x="1451581" y="459778"/>
+            <a:ext cx="4176511" cy="1049235"/>
+          </a:xfrm>
+        </p:spPr>
+        <p:txBody>
+          <a:bodyPr>
+            <a:normAutofit fontScale="90000"/>
+          </a:bodyPr>
+          <a:lstStyle/>
+          <a:p>
+            <a:r>
+              <a:rPr lang="en-US" dirty="0"/>
+              <a:t>Call to action !</a:t>
+            </a:r>
+            <a:br>
+              <a:rPr lang="en-US" dirty="0"/>
+            </a:br>
+            <a:r>
+              <a:rPr lang="en-US" dirty="0"/>
+              <a:t>And what I can bring to your team </a:t>
+            </a:r>
+          </a:p>
+        </p:txBody>
+      </p:sp>
+      <p:sp>
+        <p:nvSpPr>
+          <p:cNvPr id="23" name="Rectangle 15">
+            <a:extLst>
+              <a:ext uri="{FF2B5EF4-FFF2-40B4-BE49-F238E27FC236}">
+                <a16:creationId xmlns:a16="http://schemas.microsoft.com/office/drawing/2014/main" id="{EF2A81E1-BCBE-426B-8C09-33274E69409D}"/>
               </a:ext>
               <a:ext uri="{C183D7F6-B498-43B3-948B-1728B52AA6E4}">
                 <adec:decorative xmlns:adec="http://schemas.microsoft.com/office/drawing/2017/decorative" val="1"/>
@@ -7464,13 +8839,116 @@
             <a:schemeClr val="lt1"/>
           </a:fontRef>
         </p:style>
+        <p:txBody>
+          <a:bodyPr rtlCol="0" anchor="ctr"/>
+          <a:lstStyle/>
+          <a:p>
+            <a:pPr lvl="0" algn="ctr"/>
+            <a:endParaRPr lang="en-US"/>
+          </a:p>
+        </p:txBody>
+      </p:sp>
+      <p:sp>
+        <p:nvSpPr>
+          <p:cNvPr id="24" name="Content Placeholder 8">
+            <a:extLst>
+              <a:ext uri="{FF2B5EF4-FFF2-40B4-BE49-F238E27FC236}">
+                <a16:creationId xmlns:a16="http://schemas.microsoft.com/office/drawing/2014/main" id="{A2E29352-0E89-457B-89A9-0892A72FA0A9}"/>
+              </a:ext>
+            </a:extLst>
+          </p:cNvPr>
+          <p:cNvSpPr>
+            <a:spLocks noGrp="1"/>
+          </p:cNvSpPr>
+          <p:nvPr>
+            <p:ph idx="1"/>
+          </p:nvPr>
+        </p:nvSpPr>
+        <p:spPr>
+          <a:xfrm>
+            <a:off x="1451581" y="2015732"/>
+            <a:ext cx="4172212" cy="3915511"/>
+          </a:xfrm>
+        </p:spPr>
+        <p:txBody>
+          <a:bodyPr>
+            <a:normAutofit fontScale="92500" lnSpcReduction="10000"/>
+          </a:bodyPr>
+          <a:lstStyle/>
+          <a:p>
+            <a:r>
+              <a:rPr lang="en-US" dirty="0"/>
+              <a:t>I will be posting a medium article about my project. I think it is essential people understand the distinction between FAKE and REAL news. </a:t>
+            </a:r>
+          </a:p>
+          <a:p>
+            <a:r>
+              <a:rPr lang="en-US" dirty="0"/>
+              <a:t>Find me on </a:t>
+            </a:r>
+            <a:r>
+              <a:rPr lang="en-US" dirty="0" err="1"/>
+              <a:t>linkedin</a:t>
+            </a:r>
+            <a:r>
+              <a:rPr lang="en-US" dirty="0"/>
+              <a:t>: </a:t>
+            </a:r>
+            <a:r>
+              <a:rPr lang="en-US" dirty="0">
+                <a:hlinkClick r:id="rId3"/>
+              </a:rPr>
+              <a:t>https://www.linkedin.com/in/daniel-dinicola/</a:t>
+            </a:r>
+            <a:endParaRPr lang="en-US" dirty="0"/>
+          </a:p>
+          <a:p>
+            <a:r>
+              <a:rPr lang="en-US" dirty="0"/>
+              <a:t>For employers I can bring to your organization knowledge of machine learning, NLP, python, SQL and a background in communication. </a:t>
+            </a:r>
+          </a:p>
+          <a:p>
+            <a:endParaRPr lang="en-US" dirty="0"/>
+          </a:p>
+        </p:txBody>
       </p:sp>
       <p:pic>
         <p:nvPicPr>
-          <p:cNvPr id="39" name="Picture 11">
+          <p:cNvPr id="5" name="Content Placeholder 4" descr="A close up of a person who is smiling and looking at the camera&#10;&#10;Description automatically generated">
             <a:extLst>
               <a:ext uri="{FF2B5EF4-FFF2-40B4-BE49-F238E27FC236}">
-                <a16:creationId xmlns:a16="http://schemas.microsoft.com/office/drawing/2014/main" id="{012FDCFE-9AD2-4D8A-8CBF-B3AA37EBF6DD}"/>
+                <a16:creationId xmlns:a16="http://schemas.microsoft.com/office/drawing/2014/main" id="{7F282489-F3FD-2348-A3A6-CCE25E1BC890}"/>
+              </a:ext>
+            </a:extLst>
+          </p:cNvPr>
+          <p:cNvPicPr>
+            <a:picLocks noChangeAspect="1"/>
+          </p:cNvPicPr>
+          <p:nvPr/>
+        </p:nvPicPr>
+        <p:blipFill>
+          <a:blip r:embed="rId4"/>
+          <a:stretch>
+            <a:fillRect/>
+          </a:stretch>
+        </p:blipFill>
+        <p:spPr>
+          <a:xfrm>
+            <a:off x="6436508" y="805583"/>
+            <a:ext cx="4276248" cy="4660762"/>
+          </a:xfrm>
+          <a:prstGeom prst="rect">
+            <a:avLst/>
+          </a:prstGeom>
+        </p:spPr>
+      </p:pic>
+      <p:pic>
+        <p:nvPicPr>
+          <p:cNvPr id="25" name="Picture 17">
+            <a:extLst>
+              <a:ext uri="{FF2B5EF4-FFF2-40B4-BE49-F238E27FC236}">
+                <a16:creationId xmlns:a16="http://schemas.microsoft.com/office/drawing/2014/main" id="{39D1DDD4-5BB3-45BA-B9B3-06B62299AD79}"/>
               </a:ext>
               <a:ext uri="{C183D7F6-B498-43B3-948B-1728B52AA6E4}">
                 <adec:decorative xmlns:adec="http://schemas.microsoft.com/office/drawing/2017/decorative" val="1"/>
@@ -7489,7 +8967,7 @@
           </p:nvPr>
         </p:nvPicPr>
         <p:blipFill rotWithShape="1">
-          <a:blip r:embed="rId3">
+          <a:blip r:embed="rId5">
             <a:extLst>
               <a:ext uri="{28A0092B-C50C-407E-A947-70E740481C1C}">
                 <a14:useLocalDpi xmlns:a14="http://schemas.microsoft.com/office/drawing/2010/main" val="0"/>
@@ -7511,412 +8989,10 @@
       </p:pic>
       <p:cxnSp>
         <p:nvCxnSpPr>
-          <p:cNvPr id="40" name="Straight Connector 13">
+          <p:cNvPr id="20" name="Straight Connector 19">
             <a:extLst>
               <a:ext uri="{FF2B5EF4-FFF2-40B4-BE49-F238E27FC236}">
-                <a16:creationId xmlns:a16="http://schemas.microsoft.com/office/drawing/2014/main" id="{FBD463FC-4CA8-4FF4-85A3-AF9F4B98D210}"/>
-              </a:ext>
-              <a:ext uri="{C183D7F6-B498-43B3-948B-1728B52AA6E4}">
-                <adec:decorative xmlns:adec="http://schemas.microsoft.com/office/drawing/2017/decorative" val="1"/>
-              </a:ext>
-            </a:extLst>
-          </p:cNvPr>
-          <p:cNvCxnSpPr>
-            <a:cxnSpLocks noGrp="1" noRot="1" noChangeAspect="1" noMove="1" noResize="1" noEditPoints="1" noAdjustHandles="1" noChangeArrowheads="1" noChangeShapeType="1"/>
-          </p:cNvCxnSpPr>
-          <p:nvPr>
-            <p:extLst>
-              <p:ext uri="{386F3935-93C4-4BCD-93E2-E3B085C9AB24}">
-                <p16:designElem xmlns:p16="http://schemas.microsoft.com/office/powerpoint/2015/main" val="1"/>
-              </p:ext>
-            </p:extLst>
-          </p:nvPr>
-        </p:nvCxnSpPr>
-        <p:spPr>
-          <a:xfrm>
-            <a:off x="0" y="6128413"/>
-            <a:ext cx="12192000" cy="0"/>
-          </a:xfrm>
-          <a:prstGeom prst="line">
-            <a:avLst/>
-          </a:prstGeom>
-          <a:ln w="12700">
-            <a:solidFill>
-              <a:srgbClr val="000001">
-                <a:alpha val="20000"/>
-              </a:srgbClr>
-            </a:solidFill>
-          </a:ln>
-        </p:spPr>
-        <p:style>
-          <a:lnRef idx="1">
-            <a:schemeClr val="accent1"/>
-          </a:lnRef>
-          <a:fillRef idx="0">
-            <a:schemeClr val="accent1"/>
-          </a:fillRef>
-          <a:effectRef idx="0">
-            <a:schemeClr val="accent1"/>
-          </a:effectRef>
-          <a:fontRef idx="minor">
-            <a:schemeClr val="tx1"/>
-          </a:fontRef>
-        </p:style>
-      </p:cxnSp>
-      <p:cxnSp>
-        <p:nvCxnSpPr>
-          <p:cNvPr id="41" name="Straight Connector 15">
-            <a:extLst>
-              <a:ext uri="{FF2B5EF4-FFF2-40B4-BE49-F238E27FC236}">
-                <a16:creationId xmlns:a16="http://schemas.microsoft.com/office/drawing/2014/main" id="{BECF35C3-8B44-4F4B-BD25-4C01823DB22A}"/>
-              </a:ext>
-              <a:ext uri="{C183D7F6-B498-43B3-948B-1728B52AA6E4}">
-                <adec:decorative xmlns:adec="http://schemas.microsoft.com/office/drawing/2017/decorative" val="1"/>
-              </a:ext>
-            </a:extLst>
-          </p:cNvPr>
-          <p:cNvCxnSpPr>
-            <a:cxnSpLocks noGrp="1" noRot="1" noChangeAspect="1" noMove="1" noResize="1" noEditPoints="1" noAdjustHandles="1" noChangeArrowheads="1" noChangeShapeType="1"/>
-          </p:cNvCxnSpPr>
-          <p:nvPr>
-            <p:extLst>
-              <p:ext uri="{386F3935-93C4-4BCD-93E2-E3B085C9AB24}">
-                <p16:designElem xmlns:p16="http://schemas.microsoft.com/office/powerpoint/2015/main" val="1"/>
-              </p:ext>
-            </p:extLst>
-          </p:nvPr>
-        </p:nvCxnSpPr>
-        <p:spPr>
-          <a:xfrm>
-            <a:off x="2417780" y="3528542"/>
-            <a:ext cx="8637072" cy="0"/>
-          </a:xfrm>
-          <a:prstGeom prst="line">
-            <a:avLst/>
-          </a:prstGeom>
-          <a:ln w="31750"/>
-        </p:spPr>
-        <p:style>
-          <a:lnRef idx="3">
-            <a:schemeClr val="accent1"/>
-          </a:lnRef>
-          <a:fillRef idx="0">
-            <a:schemeClr val="accent1"/>
-          </a:fillRef>
-          <a:effectRef idx="2">
-            <a:schemeClr val="accent1"/>
-          </a:effectRef>
-          <a:fontRef idx="minor">
-            <a:schemeClr val="tx1"/>
-          </a:fontRef>
-        </p:style>
-      </p:cxnSp>
-      <p:sp useBgFill="1">
-        <p:nvSpPr>
-          <p:cNvPr id="42" name="Rectangle 17">
-            <a:extLst>
-              <a:ext uri="{FF2B5EF4-FFF2-40B4-BE49-F238E27FC236}">
-                <a16:creationId xmlns:a16="http://schemas.microsoft.com/office/drawing/2014/main" id="{D0712110-0BC1-4B31-B3BB-63B44222E87F}"/>
-              </a:ext>
-              <a:ext uri="{C183D7F6-B498-43B3-948B-1728B52AA6E4}">
-                <adec:decorative xmlns:adec="http://schemas.microsoft.com/office/drawing/2017/decorative" val="1"/>
-              </a:ext>
-            </a:extLst>
-          </p:cNvPr>
-          <p:cNvSpPr>
-            <a:spLocks noGrp="1" noRot="1" noChangeAspect="1" noMove="1" noResize="1" noEditPoints="1" noAdjustHandles="1" noChangeArrowheads="1" noChangeShapeType="1" noTextEdit="1"/>
-          </p:cNvSpPr>
-          <p:nvPr>
-            <p:extLst>
-              <p:ext uri="{386F3935-93C4-4BCD-93E2-E3B085C9AB24}">
-                <p16:designElem xmlns:p16="http://schemas.microsoft.com/office/powerpoint/2015/main" val="1"/>
-              </p:ext>
-            </p:extLst>
-          </p:nvPr>
-        </p:nvSpPr>
-        <p:spPr>
-          <a:xfrm>
-            <a:off x="2" y="0"/>
-            <a:ext cx="12191695" cy="6858000"/>
-          </a:xfrm>
-          <a:prstGeom prst="rect">
-            <a:avLst/>
-          </a:prstGeom>
-          <a:ln>
-            <a:noFill/>
-          </a:ln>
-        </p:spPr>
-        <p:style>
-          <a:lnRef idx="2">
-            <a:schemeClr val="accent1">
-              <a:shade val="50000"/>
-            </a:schemeClr>
-          </a:lnRef>
-          <a:fillRef idx="1">
-            <a:schemeClr val="accent1"/>
-          </a:fillRef>
-          <a:effectRef idx="0">
-            <a:schemeClr val="accent1"/>
-          </a:effectRef>
-          <a:fontRef idx="minor">
-            <a:schemeClr val="lt1"/>
-          </a:fontRef>
-        </p:style>
-        <p:txBody>
-          <a:bodyPr rtlCol="0" anchor="ctr"/>
-          <a:lstStyle/>
-          <a:p>
-            <a:pPr algn="ctr"/>
-            <a:endParaRPr lang="en-US"/>
-          </a:p>
-        </p:txBody>
-      </p:sp>
-      <p:sp>
-        <p:nvSpPr>
-          <p:cNvPr id="43" name="Rectangle 19">
-            <a:extLst>
-              <a:ext uri="{FF2B5EF4-FFF2-40B4-BE49-F238E27FC236}">
-                <a16:creationId xmlns:a16="http://schemas.microsoft.com/office/drawing/2014/main" id="{4466B5F3-C053-4580-B04A-1EF949888280}"/>
-              </a:ext>
-              <a:ext uri="{C183D7F6-B498-43B3-948B-1728B52AA6E4}">
-                <adec:decorative xmlns:adec="http://schemas.microsoft.com/office/drawing/2017/decorative" val="1"/>
-              </a:ext>
-            </a:extLst>
-          </p:cNvPr>
-          <p:cNvSpPr>
-            <a:spLocks noGrp="1" noRot="1" noChangeAspect="1" noMove="1" noResize="1" noEditPoints="1" noAdjustHandles="1" noChangeArrowheads="1" noChangeShapeType="1" noTextEdit="1"/>
-          </p:cNvSpPr>
-          <p:nvPr>
-            <p:extLst>
-              <p:ext uri="{386F3935-93C4-4BCD-93E2-E3B085C9AB24}">
-                <p16:designElem xmlns:p16="http://schemas.microsoft.com/office/powerpoint/2015/main" val="1"/>
-              </p:ext>
-            </p:extLst>
-          </p:nvPr>
-        </p:nvSpPr>
-        <p:spPr>
-          <a:xfrm>
-            <a:off x="0" y="2019476"/>
-            <a:ext cx="12192000" cy="4105941"/>
-          </a:xfrm>
-          <a:prstGeom prst="rect">
-            <a:avLst/>
-          </a:prstGeom>
-          <a:gradFill flip="none" rotWithShape="1">
-            <a:gsLst>
-              <a:gs pos="0">
-                <a:schemeClr val="bg2">
-                  <a:alpha val="0"/>
-                </a:schemeClr>
-              </a:gs>
-              <a:gs pos="100000">
-                <a:schemeClr val="bg2"/>
-              </a:gs>
-            </a:gsLst>
-            <a:lin ang="5400000" scaled="0"/>
-            <a:tileRect/>
-          </a:gradFill>
-          <a:ln>
-            <a:noFill/>
-          </a:ln>
-        </p:spPr>
-        <p:style>
-          <a:lnRef idx="2">
-            <a:schemeClr val="accent1">
-              <a:shade val="50000"/>
-            </a:schemeClr>
-          </a:lnRef>
-          <a:fillRef idx="1">
-            <a:schemeClr val="accent1"/>
-          </a:fillRef>
-          <a:effectRef idx="0">
-            <a:schemeClr val="accent1"/>
-          </a:effectRef>
-          <a:fontRef idx="minor">
-            <a:schemeClr val="lt1"/>
-          </a:fontRef>
-        </p:style>
-        <p:txBody>
-          <a:bodyPr rtlCol="0" anchor="ctr"/>
-          <a:lstStyle/>
-          <a:p>
-            <a:pPr lvl="0" algn="ctr"/>
-            <a:endParaRPr lang="en-US"/>
-          </a:p>
-        </p:txBody>
-      </p:sp>
-      <p:sp>
-        <p:nvSpPr>
-          <p:cNvPr id="2" name="Title 1">
-            <a:extLst>
-              <a:ext uri="{FF2B5EF4-FFF2-40B4-BE49-F238E27FC236}">
-                <a16:creationId xmlns:a16="http://schemas.microsoft.com/office/drawing/2014/main" id="{2E7C5EAA-5F9C-E24F-8116-B478CCA05B12}"/>
-              </a:ext>
-            </a:extLst>
-          </p:cNvPr>
-          <p:cNvSpPr>
-            <a:spLocks noGrp="1"/>
-          </p:cNvSpPr>
-          <p:nvPr>
-            <p:ph type="title"/>
-          </p:nvPr>
-        </p:nvSpPr>
-        <p:spPr>
-          <a:xfrm>
-            <a:off x="1452616" y="962902"/>
-            <a:ext cx="4176384" cy="2380828"/>
-          </a:xfrm>
-        </p:spPr>
-        <p:txBody>
-          <a:bodyPr vert="horz" lIns="91440" tIns="45720" rIns="91440" bIns="0" rtlCol="0" anchor="b">
-            <a:normAutofit/>
-          </a:bodyPr>
-          <a:lstStyle/>
-          <a:p>
-            <a:r>
-              <a:rPr lang="en-US" sz="4800" dirty="0"/>
-              <a:t>What did we learn?</a:t>
-            </a:r>
-            <a:br>
-              <a:rPr lang="en-US" sz="4800" dirty="0"/>
-            </a:br>
-            <a:r>
-              <a:rPr lang="en-US" sz="4800" dirty="0"/>
-              <a:t>SHAP values</a:t>
-            </a:r>
-          </a:p>
-        </p:txBody>
-      </p:sp>
-      <p:cxnSp>
-        <p:nvCxnSpPr>
-          <p:cNvPr id="44" name="Straight Connector 21">
-            <a:extLst>
-              <a:ext uri="{FF2B5EF4-FFF2-40B4-BE49-F238E27FC236}">
-                <a16:creationId xmlns:a16="http://schemas.microsoft.com/office/drawing/2014/main" id="{FA6123F2-4B61-414F-A7E5-5B7828EACAE2}"/>
-              </a:ext>
-              <a:ext uri="{C183D7F6-B498-43B3-948B-1728B52AA6E4}">
-                <adec:decorative xmlns:adec="http://schemas.microsoft.com/office/drawing/2017/decorative" val="1"/>
-              </a:ext>
-            </a:extLst>
-          </p:cNvPr>
-          <p:cNvCxnSpPr>
-            <a:cxnSpLocks noGrp="1" noRot="1" noChangeAspect="1" noMove="1" noResize="1" noEditPoints="1" noAdjustHandles="1" noChangeArrowheads="1" noChangeShapeType="1"/>
-          </p:cNvCxnSpPr>
-          <p:nvPr>
-            <p:extLst>
-              <p:ext uri="{386F3935-93C4-4BCD-93E2-E3B085C9AB24}">
-                <p16:designElem xmlns:p16="http://schemas.microsoft.com/office/powerpoint/2015/main" val="1"/>
-              </p:ext>
-            </p:extLst>
-          </p:nvPr>
-        </p:nvCxnSpPr>
-        <p:spPr>
-          <a:xfrm>
-            <a:off x="1452617" y="3528543"/>
-            <a:ext cx="4171479" cy="0"/>
-          </a:xfrm>
-          <a:prstGeom prst="line">
-            <a:avLst/>
-          </a:prstGeom>
-          <a:ln w="31750"/>
-        </p:spPr>
-        <p:style>
-          <a:lnRef idx="3">
-            <a:schemeClr val="accent1"/>
-          </a:lnRef>
-          <a:fillRef idx="0">
-            <a:schemeClr val="accent1"/>
-          </a:fillRef>
-          <a:effectRef idx="2">
-            <a:schemeClr val="accent1"/>
-          </a:effectRef>
-          <a:fontRef idx="minor">
-            <a:schemeClr val="tx1"/>
-          </a:fontRef>
-        </p:style>
-      </p:cxnSp>
-      <p:pic>
-        <p:nvPicPr>
-          <p:cNvPr id="5" name="Content Placeholder 4" descr="A screenshot of a cell phone&#10;&#10;Description automatically generated">
-            <a:extLst>
-              <a:ext uri="{FF2B5EF4-FFF2-40B4-BE49-F238E27FC236}">
-                <a16:creationId xmlns:a16="http://schemas.microsoft.com/office/drawing/2014/main" id="{3946E621-8649-1941-A4EC-558CD09D1919}"/>
-              </a:ext>
-            </a:extLst>
-          </p:cNvPr>
-          <p:cNvPicPr>
-            <a:picLocks noGrp="1" noChangeAspect="1"/>
-          </p:cNvPicPr>
-          <p:nvPr>
-            <p:ph idx="1"/>
-          </p:nvPr>
-        </p:nvPicPr>
-        <p:blipFill>
-          <a:blip r:embed="rId4"/>
-          <a:stretch>
-            <a:fillRect/>
-          </a:stretch>
-        </p:blipFill>
-        <p:spPr>
-          <a:xfrm>
-            <a:off x="6094410" y="729586"/>
-            <a:ext cx="5199023" cy="4756810"/>
-          </a:xfrm>
-          <a:prstGeom prst="rect">
-            <a:avLst/>
-          </a:prstGeom>
-        </p:spPr>
-      </p:pic>
-      <p:pic>
-        <p:nvPicPr>
-          <p:cNvPr id="45" name="Picture 23">
-            <a:extLst>
-              <a:ext uri="{FF2B5EF4-FFF2-40B4-BE49-F238E27FC236}">
-                <a16:creationId xmlns:a16="http://schemas.microsoft.com/office/drawing/2014/main" id="{25CED634-E2D0-4AB7-96DD-816C9B52C5CF}"/>
-              </a:ext>
-              <a:ext uri="{C183D7F6-B498-43B3-948B-1728B52AA6E4}">
-                <adec:decorative xmlns:adec="http://schemas.microsoft.com/office/drawing/2017/decorative" val="1"/>
-              </a:ext>
-            </a:extLst>
-          </p:cNvPr>
-          <p:cNvPicPr>
-            <a:picLocks noGrp="1" noRot="1" noChangeAspect="1" noMove="1" noResize="1" noEditPoints="1" noAdjustHandles="1" noChangeArrowheads="1" noChangeShapeType="1" noCrop="1"/>
-          </p:cNvPicPr>
-          <p:nvPr>
-            <p:extLst>
-              <p:ext uri="{386F3935-93C4-4BCD-93E2-E3B085C9AB24}">
-                <p16:designElem xmlns:p16="http://schemas.microsoft.com/office/powerpoint/2015/main" val="1"/>
-              </p:ext>
-            </p:extLst>
-          </p:nvPr>
-        </p:nvPicPr>
-        <p:blipFill rotWithShape="1">
-          <a:blip r:embed="rId3">
-            <a:extLst>
-              <a:ext uri="{28A0092B-C50C-407E-A947-70E740481C1C}">
-                <a14:useLocalDpi xmlns:a14="http://schemas.microsoft.com/office/drawing/2010/main" val="0"/>
-              </a:ext>
-            </a:extLst>
-          </a:blip>
-          <a:srcRect t="1538" b="-1538"/>
-          <a:stretch/>
-        </p:blipFill>
-        <p:spPr bwMode="black">
-          <a:xfrm>
-            <a:off x="0" y="6126480"/>
-            <a:ext cx="12192000" cy="742950"/>
-          </a:xfrm>
-          <a:prstGeom prst="rect">
-            <a:avLst/>
-          </a:prstGeom>
-        </p:spPr>
-      </p:pic>
-      <p:cxnSp>
-        <p:nvCxnSpPr>
-          <p:cNvPr id="46" name="Straight Connector 25">
-            <a:extLst>
-              <a:ext uri="{FF2B5EF4-FFF2-40B4-BE49-F238E27FC236}">
-                <a16:creationId xmlns:a16="http://schemas.microsoft.com/office/drawing/2014/main" id="{FCDDCDFB-696D-4FDF-9B58-24F71B7C37BC}"/>
+                <a16:creationId xmlns:a16="http://schemas.microsoft.com/office/drawing/2014/main" id="{A24DAE64-2302-42EA-8239-F2F0775CA5AD}"/>
               </a:ext>
               <a:ext uri="{C183D7F6-B498-43B3-948B-1728B52AA6E4}">
                 <adec:decorative xmlns:adec="http://schemas.microsoft.com/office/drawing/2017/decorative" val="1"/>
@@ -7968,139 +9044,7 @@
     </p:spTree>
     <p:extLst>
       <p:ext uri="{BB962C8B-B14F-4D97-AF65-F5344CB8AC3E}">
-        <p14:creationId xmlns:p14="http://schemas.microsoft.com/office/powerpoint/2010/main" val="1942083758"/>
-      </p:ext>
-    </p:extLst>
-  </p:cSld>
-  <p:clrMapOvr>
-    <a:masterClrMapping/>
-  </p:clrMapOvr>
-</p:sld>
-</file>
-
-<file path=ppt/slides/slide7.xml><?xml version="1.0" encoding="utf-8"?>
-<p:sld xmlns:a="http://schemas.openxmlformats.org/drawingml/2006/main" xmlns:r="http://schemas.openxmlformats.org/officeDocument/2006/relationships" xmlns:p="http://schemas.openxmlformats.org/presentationml/2006/main">
-  <p:cSld>
-    <p:spTree>
-      <p:nvGrpSpPr>
-        <p:cNvPr id="1" name=""/>
-        <p:cNvGrpSpPr/>
-        <p:nvPr/>
-      </p:nvGrpSpPr>
-      <p:grpSpPr>
-        <a:xfrm>
-          <a:off x="0" y="0"/>
-          <a:ext cx="0" cy="0"/>
-          <a:chOff x="0" y="0"/>
-          <a:chExt cx="0" cy="0"/>
-        </a:xfrm>
-      </p:grpSpPr>
-      <p:sp>
-        <p:nvSpPr>
-          <p:cNvPr id="2" name="Title 1">
-            <a:extLst>
-              <a:ext uri="{FF2B5EF4-FFF2-40B4-BE49-F238E27FC236}">
-                <a16:creationId xmlns:a16="http://schemas.microsoft.com/office/drawing/2014/main" id="{9D2A0F6F-ACBD-6C4F-9DD1-F97BE2C71BFB}"/>
-              </a:ext>
-            </a:extLst>
-          </p:cNvPr>
-          <p:cNvSpPr>
-            <a:spLocks noGrp="1"/>
-          </p:cNvSpPr>
-          <p:nvPr>
-            <p:ph type="title"/>
-          </p:nvPr>
-        </p:nvSpPr>
-        <p:spPr/>
-        <p:txBody>
-          <a:bodyPr/>
-          <a:lstStyle/>
-          <a:p>
-            <a:r>
-              <a:rPr lang="en-US" dirty="0"/>
-              <a:t>Conclusions, limitations and next steps</a:t>
-            </a:r>
-          </a:p>
-        </p:txBody>
-      </p:sp>
-      <p:sp>
-        <p:nvSpPr>
-          <p:cNvPr id="3" name="Content Placeholder 2">
-            <a:extLst>
-              <a:ext uri="{FF2B5EF4-FFF2-40B4-BE49-F238E27FC236}">
-                <a16:creationId xmlns:a16="http://schemas.microsoft.com/office/drawing/2014/main" id="{535FCAE0-43D3-5C4F-B864-5329A8A7C868}"/>
-              </a:ext>
-            </a:extLst>
-          </p:cNvPr>
-          <p:cNvSpPr>
-            <a:spLocks noGrp="1"/>
-          </p:cNvSpPr>
-          <p:nvPr>
-            <p:ph idx="1"/>
-          </p:nvPr>
-        </p:nvSpPr>
-        <p:spPr>
-          <a:xfrm>
-            <a:off x="1451579" y="1853754"/>
-            <a:ext cx="9603275" cy="4199727"/>
-          </a:xfrm>
-        </p:spPr>
-        <p:txBody>
-          <a:bodyPr>
-            <a:normAutofit fontScale="77500" lnSpcReduction="20000"/>
-          </a:bodyPr>
-          <a:lstStyle/>
-          <a:p>
-            <a:r>
-              <a:rPr lang="en-US" dirty="0"/>
-              <a:t>As mentioned, many of the models created were overfit to the training data. Unfortunately, I do not have a ton of data so doing something like cross-validation is not possible. </a:t>
-            </a:r>
-          </a:p>
-          <a:p>
-            <a:r>
-              <a:rPr lang="en-US" dirty="0"/>
-              <a:t>Interestingly each best performing model did not use classic stop word in it’s hyperparameters. Which is an interesting aspect of this project so far. What does this mean? For me it means we need more data and will get to that. </a:t>
-            </a:r>
-          </a:p>
-          <a:p>
-            <a:r>
-              <a:rPr lang="en-US" dirty="0"/>
-              <a:t>One next step is to overcome the previous conclusion is to create a specific set of stop words that might bring about different feature importance when creating SHAP values. </a:t>
-            </a:r>
-          </a:p>
-          <a:p>
-            <a:r>
-              <a:rPr lang="en-US" dirty="0"/>
-              <a:t>This project does not take in any notion of political bias between news organizations and or the fact checkers themselves, which can be problematic as simply “updating” people on the COVID-19 figures don’t really give people information about the virus itself. </a:t>
-            </a:r>
-          </a:p>
-          <a:p>
-            <a:r>
-              <a:rPr lang="en-US" dirty="0"/>
-              <a:t>I think most importantly this is just headline text and it shows in the analysis and SHAP values. Real news stories are “updating” their readers. </a:t>
-            </a:r>
-          </a:p>
-          <a:p>
-            <a:r>
-              <a:rPr lang="en-US" dirty="0"/>
-              <a:t>Lastly, as one last step would be to get more data and find a way to scrap into the fake news stories and attain the articles themselves in the News API.</a:t>
-            </a:r>
-          </a:p>
-          <a:p>
-            <a:endParaRPr lang="en-US" dirty="0"/>
-          </a:p>
-          <a:p>
-            <a:endParaRPr lang="en-US" dirty="0"/>
-          </a:p>
-          <a:p>
-            <a:endParaRPr lang="en-US" dirty="0"/>
-          </a:p>
-        </p:txBody>
-      </p:sp>
-    </p:spTree>
-    <p:extLst>
-      <p:ext uri="{BB962C8B-B14F-4D97-AF65-F5344CB8AC3E}">
-        <p14:creationId xmlns:p14="http://schemas.microsoft.com/office/powerpoint/2010/main" val="3027152770"/>
+        <p14:creationId xmlns:p14="http://schemas.microsoft.com/office/powerpoint/2010/main" val="2168212452"/>
       </p:ext>
     </p:extLst>
   </p:cSld>
